--- a/presentations/cs412_Final.pptx
+++ b/presentations/cs412_Final.pptx
@@ -28,17 +28,16 @@
     <p:sldId id="272" r:id="rId22"/>
     <p:sldId id="273" r:id="rId23"/>
     <p:sldId id="274" r:id="rId24"/>
-    <p:sldId id="275" r:id="rId25"/>
   </p:sldIdLst>
   <p:sldSz cy="6858000" cx="12192000"/>
   <p:notesSz cx="6858000" cy="9144000"/>
   <p:embeddedFontLst>
     <p:embeddedFont>
       <p:font typeface="Roboto"/>
-      <p:regular r:id="rId26"/>
-      <p:bold r:id="rId27"/>
-      <p:italic r:id="rId28"/>
-      <p:boldItalic r:id="rId29"/>
+      <p:regular r:id="rId25"/>
+      <p:bold r:id="rId26"/>
+      <p:italic r:id="rId27"/>
+      <p:boldItalic r:id="rId28"/>
     </p:embeddedFont>
   </p:embeddedFontLst>
   <p:defaultTextStyle>
@@ -1076,7 +1075,7 @@
       </p:grpSpPr>
       <p:sp>
         <p:nvSpPr>
-          <p:cNvPr id="192" name="Google Shape;192;p11:notes"/>
+          <p:cNvPr id="192" name="Google Shape;192;p12:notes"/>
           <p:cNvSpPr txBox="1"/>
           <p:nvPr>
             <p:ph idx="1" type="body"/>
@@ -1123,7 +1122,7 @@
       </p:sp>
       <p:sp>
         <p:nvSpPr>
-          <p:cNvPr id="193" name="Google Shape;193;p11:notes"/>
+          <p:cNvPr id="193" name="Google Shape;193;p12:notes"/>
           <p:cNvSpPr/>
           <p:nvPr>
             <p:ph idx="2" type="sldImg"/>
@@ -1179,7 +1178,7 @@
   <p:cSld>
     <p:spTree>
       <p:nvGrpSpPr>
-        <p:cNvPr id="196" name="Shape 196"/>
+        <p:cNvPr id="199" name="Shape 199"/>
         <p:cNvGrpSpPr/>
         <p:nvPr/>
       </p:nvGrpSpPr>
@@ -1193,7 +1192,7 @@
       </p:grpSpPr>
       <p:sp>
         <p:nvSpPr>
-          <p:cNvPr id="197" name="Google Shape;197;p12:notes"/>
+          <p:cNvPr id="200" name="Google Shape;200;p5:notes"/>
           <p:cNvSpPr txBox="1"/>
           <p:nvPr>
             <p:ph idx="1" type="body"/>
@@ -1240,7 +1239,7 @@
       </p:sp>
       <p:sp>
         <p:nvSpPr>
-          <p:cNvPr id="198" name="Google Shape;198;p12:notes"/>
+          <p:cNvPr id="201" name="Google Shape;201;p5:notes"/>
           <p:cNvSpPr/>
           <p:nvPr>
             <p:ph idx="2" type="sldImg"/>
@@ -1296,7 +1295,7 @@
   <p:cSld>
     <p:spTree>
       <p:nvGrpSpPr>
-        <p:cNvPr id="204" name="Shape 204"/>
+        <p:cNvPr id="209" name="Shape 209"/>
         <p:cNvGrpSpPr/>
         <p:nvPr/>
       </p:nvGrpSpPr>
@@ -1310,7 +1309,7 @@
       </p:grpSpPr>
       <p:sp>
         <p:nvSpPr>
-          <p:cNvPr id="205" name="Google Shape;205;p5:notes"/>
+          <p:cNvPr id="210" name="Google Shape;210;g1274df0a6ee_2_0:notes"/>
           <p:cNvSpPr txBox="1"/>
           <p:nvPr>
             <p:ph idx="1" type="body"/>
@@ -1357,7 +1356,7 @@
       </p:sp>
       <p:sp>
         <p:nvSpPr>
-          <p:cNvPr id="206" name="Google Shape;206;p5:notes"/>
+          <p:cNvPr id="211" name="Google Shape;211;g1274df0a6ee_2_0:notes"/>
           <p:cNvSpPr/>
           <p:nvPr>
             <p:ph idx="2" type="sldImg"/>
@@ -1413,7 +1412,7 @@
   <p:cSld>
     <p:spTree>
       <p:nvGrpSpPr>
-        <p:cNvPr id="214" name="Shape 214"/>
+        <p:cNvPr id="218" name="Shape 218"/>
         <p:cNvGrpSpPr/>
         <p:nvPr/>
       </p:nvGrpSpPr>
@@ -1427,7 +1426,457 @@
       </p:grpSpPr>
       <p:sp>
         <p:nvSpPr>
-          <p:cNvPr id="215" name="Google Shape;215;g126c1a2502a_9_56:notes"/>
+          <p:cNvPr id="219" name="Google Shape;219;g1274df0a6ee_2_10:notes"/>
+          <p:cNvSpPr txBox="1"/>
+          <p:nvPr>
+            <p:ph idx="1" type="body"/>
+          </p:nvPr>
+        </p:nvSpPr>
+        <p:spPr>
+          <a:xfrm>
+            <a:off x="685800" y="4343400"/>
+            <a:ext cx="5486400" cy="4114800"/>
+          </a:xfrm>
+          <a:prstGeom prst="rect">
+            <a:avLst/>
+          </a:prstGeom>
+          <a:noFill/>
+          <a:ln>
+            <a:noFill/>
+          </a:ln>
+        </p:spPr>
+        <p:txBody>
+          <a:bodyPr anchorCtr="0" anchor="t" bIns="91425" lIns="91425" spcFirstLastPara="1" rIns="91425" wrap="square" tIns="91425">
+            <a:noAutofit/>
+          </a:bodyPr>
+          <a:lstStyle/>
+          <a:p>
+            <a:pPr indent="0" lvl="0" marL="0" rtl="0" algn="l">
+              <a:lnSpc>
+                <a:spcPct val="100000"/>
+              </a:lnSpc>
+              <a:spcBef>
+                <a:spcPts val="0"/>
+              </a:spcBef>
+              <a:spcAft>
+                <a:spcPts val="0"/>
+              </a:spcAft>
+              <a:buSzPts val="1100"/>
+              <a:buNone/>
+            </a:pPr>
+            <a:r>
+              <a:t/>
+            </a:r>
+            <a:endParaRPr/>
+          </a:p>
+        </p:txBody>
+      </p:sp>
+      <p:sp>
+        <p:nvSpPr>
+          <p:cNvPr id="220" name="Google Shape;220;g1274df0a6ee_2_10:notes"/>
+          <p:cNvSpPr/>
+          <p:nvPr>
+            <p:ph idx="2" type="sldImg"/>
+          </p:nvPr>
+        </p:nvSpPr>
+        <p:spPr>
+          <a:xfrm>
+            <a:off x="381000" y="685800"/>
+            <a:ext cx="6096000" cy="3429000"/>
+          </a:xfrm>
+          <a:custGeom>
+            <a:rect b="b" l="l" r="r" t="t"/>
+            <a:pathLst>
+              <a:path extrusionOk="0" h="120000" w="120000">
+                <a:moveTo>
+                  <a:pt x="0" y="0"/>
+                </a:moveTo>
+                <a:lnTo>
+                  <a:pt x="120000" y="0"/>
+                </a:lnTo>
+                <a:lnTo>
+                  <a:pt x="120000" y="120000"/>
+                </a:lnTo>
+                <a:lnTo>
+                  <a:pt x="0" y="120000"/>
+                </a:lnTo>
+                <a:close/>
+              </a:path>
+            </a:pathLst>
+          </a:custGeom>
+          <a:noFill/>
+          <a:ln cap="flat" cmpd="sng" w="9525">
+            <a:solidFill>
+              <a:srgbClr val="000000"/>
+            </a:solidFill>
+            <a:prstDash val="solid"/>
+            <a:round/>
+            <a:headEnd len="sm" w="sm" type="none"/>
+            <a:tailEnd len="sm" w="sm" type="none"/>
+          </a:ln>
+        </p:spPr>
+      </p:sp>
+    </p:spTree>
+  </p:cSld>
+  <p:clrMapOvr>
+    <a:masterClrMapping/>
+  </p:clrMapOvr>
+</p:notes>
+</file>
+
+<file path=ppt/notesSlides/notesSlide15.xml><?xml version="1.0" encoding="utf-8"?>
+<p:notes xmlns:a="http://schemas.openxmlformats.org/drawingml/2006/main" xmlns:r="http://schemas.openxmlformats.org/officeDocument/2006/relationships" xmlns:mc="http://schemas.openxmlformats.org/markup-compatibility/2006" xmlns:mv="urn:schemas-microsoft-com:mac:vml" xmlns:p="http://schemas.openxmlformats.org/presentationml/2006/main" xmlns:c="http://schemas.openxmlformats.org/drawingml/2006/chart" xmlns:dgm="http://schemas.openxmlformats.org/drawingml/2006/diagram" xmlns:o="urn:schemas-microsoft-com:office:office" xmlns:v="urn:schemas-microsoft-com:vml" xmlns:pvml="urn:schemas-microsoft-com:office:powerpoint" xmlns:com="http://schemas.openxmlformats.org/drawingml/2006/compatibility" xmlns:p14="http://schemas.microsoft.com/office/powerpoint/2010/main" xmlns:p15="http://schemas.microsoft.com/office/powerpoint/2012/main" xmlns:ahyp="http://schemas.microsoft.com/office/drawing/2018/hyperlinkcolor" showMasterPhAnim="0" showMasterSp="0">
+  <p:cSld>
+    <p:spTree>
+      <p:nvGrpSpPr>
+        <p:cNvPr id="227" name="Shape 227"/>
+        <p:cNvGrpSpPr/>
+        <p:nvPr/>
+      </p:nvGrpSpPr>
+      <p:grpSpPr>
+        <a:xfrm>
+          <a:off x="0" y="0"/>
+          <a:ext cx="0" cy="0"/>
+          <a:chOff x="0" y="0"/>
+          <a:chExt cx="0" cy="0"/>
+        </a:xfrm>
+      </p:grpSpPr>
+      <p:sp>
+        <p:nvSpPr>
+          <p:cNvPr id="228" name="Google Shape;228;g11b7501d955_0_7:notes"/>
+          <p:cNvSpPr txBox="1"/>
+          <p:nvPr>
+            <p:ph idx="1" type="body"/>
+          </p:nvPr>
+        </p:nvSpPr>
+        <p:spPr>
+          <a:xfrm>
+            <a:off x="685800" y="4343400"/>
+            <a:ext cx="5486400" cy="4114800"/>
+          </a:xfrm>
+          <a:prstGeom prst="rect">
+            <a:avLst/>
+          </a:prstGeom>
+          <a:noFill/>
+          <a:ln>
+            <a:noFill/>
+          </a:ln>
+        </p:spPr>
+        <p:txBody>
+          <a:bodyPr anchorCtr="0" anchor="t" bIns="91425" lIns="91425" spcFirstLastPara="1" rIns="91425" wrap="square" tIns="91425">
+            <a:noAutofit/>
+          </a:bodyPr>
+          <a:lstStyle/>
+          <a:p>
+            <a:pPr indent="0" lvl="0" marL="0" rtl="0" algn="l">
+              <a:lnSpc>
+                <a:spcPct val="100000"/>
+              </a:lnSpc>
+              <a:spcBef>
+                <a:spcPts val="0"/>
+              </a:spcBef>
+              <a:spcAft>
+                <a:spcPts val="0"/>
+              </a:spcAft>
+              <a:buSzPts val="1100"/>
+              <a:buNone/>
+            </a:pPr>
+            <a:r>
+              <a:t/>
+            </a:r>
+            <a:endParaRPr/>
+          </a:p>
+        </p:txBody>
+      </p:sp>
+      <p:sp>
+        <p:nvSpPr>
+          <p:cNvPr id="229" name="Google Shape;229;g11b7501d955_0_7:notes"/>
+          <p:cNvSpPr/>
+          <p:nvPr>
+            <p:ph idx="2" type="sldImg"/>
+          </p:nvPr>
+        </p:nvSpPr>
+        <p:spPr>
+          <a:xfrm>
+            <a:off x="381000" y="685800"/>
+            <a:ext cx="6096000" cy="3429000"/>
+          </a:xfrm>
+          <a:custGeom>
+            <a:rect b="b" l="l" r="r" t="t"/>
+            <a:pathLst>
+              <a:path extrusionOk="0" h="120000" w="120000">
+                <a:moveTo>
+                  <a:pt x="0" y="0"/>
+                </a:moveTo>
+                <a:lnTo>
+                  <a:pt x="120000" y="0"/>
+                </a:lnTo>
+                <a:lnTo>
+                  <a:pt x="120000" y="120000"/>
+                </a:lnTo>
+                <a:lnTo>
+                  <a:pt x="0" y="120000"/>
+                </a:lnTo>
+                <a:close/>
+              </a:path>
+            </a:pathLst>
+          </a:custGeom>
+          <a:noFill/>
+          <a:ln cap="flat" cmpd="sng" w="9525">
+            <a:solidFill>
+              <a:srgbClr val="000000"/>
+            </a:solidFill>
+            <a:prstDash val="solid"/>
+            <a:round/>
+            <a:headEnd len="sm" w="sm" type="none"/>
+            <a:tailEnd len="sm" w="sm" type="none"/>
+          </a:ln>
+        </p:spPr>
+      </p:sp>
+    </p:spTree>
+  </p:cSld>
+  <p:clrMapOvr>
+    <a:masterClrMapping/>
+  </p:clrMapOvr>
+</p:notes>
+</file>
+
+<file path=ppt/notesSlides/notesSlide16.xml><?xml version="1.0" encoding="utf-8"?>
+<p:notes xmlns:a="http://schemas.openxmlformats.org/drawingml/2006/main" xmlns:r="http://schemas.openxmlformats.org/officeDocument/2006/relationships" xmlns:mc="http://schemas.openxmlformats.org/markup-compatibility/2006" xmlns:mv="urn:schemas-microsoft-com:mac:vml" xmlns:p="http://schemas.openxmlformats.org/presentationml/2006/main" xmlns:c="http://schemas.openxmlformats.org/drawingml/2006/chart" xmlns:dgm="http://schemas.openxmlformats.org/drawingml/2006/diagram" xmlns:o="urn:schemas-microsoft-com:office:office" xmlns:v="urn:schemas-microsoft-com:vml" xmlns:pvml="urn:schemas-microsoft-com:office:powerpoint" xmlns:com="http://schemas.openxmlformats.org/drawingml/2006/compatibility" xmlns:p14="http://schemas.microsoft.com/office/powerpoint/2010/main" xmlns:p15="http://schemas.microsoft.com/office/powerpoint/2012/main" xmlns:ahyp="http://schemas.microsoft.com/office/drawing/2018/hyperlinkcolor" showMasterPhAnim="0" showMasterSp="0">
+  <p:cSld>
+    <p:spTree>
+      <p:nvGrpSpPr>
+        <p:cNvPr id="235" name="Shape 235"/>
+        <p:cNvGrpSpPr/>
+        <p:nvPr/>
+      </p:nvGrpSpPr>
+      <p:grpSpPr>
+        <a:xfrm>
+          <a:off x="0" y="0"/>
+          <a:ext cx="0" cy="0"/>
+          <a:chOff x="0" y="0"/>
+          <a:chExt cx="0" cy="0"/>
+        </a:xfrm>
+      </p:grpSpPr>
+      <p:sp>
+        <p:nvSpPr>
+          <p:cNvPr id="236" name="Google Shape;236;g1274df0a6ee_2_18:notes"/>
+          <p:cNvSpPr txBox="1"/>
+          <p:nvPr>
+            <p:ph idx="1" type="body"/>
+          </p:nvPr>
+        </p:nvSpPr>
+        <p:spPr>
+          <a:xfrm>
+            <a:off x="685800" y="4343400"/>
+            <a:ext cx="5486400" cy="4114800"/>
+          </a:xfrm>
+          <a:prstGeom prst="rect">
+            <a:avLst/>
+          </a:prstGeom>
+          <a:noFill/>
+          <a:ln>
+            <a:noFill/>
+          </a:ln>
+        </p:spPr>
+        <p:txBody>
+          <a:bodyPr anchorCtr="0" anchor="t" bIns="91425" lIns="91425" spcFirstLastPara="1" rIns="91425" wrap="square" tIns="91425">
+            <a:noAutofit/>
+          </a:bodyPr>
+          <a:lstStyle/>
+          <a:p>
+            <a:pPr indent="0" lvl="0" marL="0" rtl="0" algn="l">
+              <a:lnSpc>
+                <a:spcPct val="100000"/>
+              </a:lnSpc>
+              <a:spcBef>
+                <a:spcPts val="0"/>
+              </a:spcBef>
+              <a:spcAft>
+                <a:spcPts val="0"/>
+              </a:spcAft>
+              <a:buSzPts val="1100"/>
+              <a:buNone/>
+            </a:pPr>
+            <a:r>
+              <a:t/>
+            </a:r>
+            <a:endParaRPr/>
+          </a:p>
+        </p:txBody>
+      </p:sp>
+      <p:sp>
+        <p:nvSpPr>
+          <p:cNvPr id="237" name="Google Shape;237;g1274df0a6ee_2_18:notes"/>
+          <p:cNvSpPr/>
+          <p:nvPr>
+            <p:ph idx="2" type="sldImg"/>
+          </p:nvPr>
+        </p:nvSpPr>
+        <p:spPr>
+          <a:xfrm>
+            <a:off x="381000" y="685800"/>
+            <a:ext cx="6096000" cy="3429000"/>
+          </a:xfrm>
+          <a:custGeom>
+            <a:rect b="b" l="l" r="r" t="t"/>
+            <a:pathLst>
+              <a:path extrusionOk="0" h="120000" w="120000">
+                <a:moveTo>
+                  <a:pt x="0" y="0"/>
+                </a:moveTo>
+                <a:lnTo>
+                  <a:pt x="120000" y="0"/>
+                </a:lnTo>
+                <a:lnTo>
+                  <a:pt x="120000" y="120000"/>
+                </a:lnTo>
+                <a:lnTo>
+                  <a:pt x="0" y="120000"/>
+                </a:lnTo>
+                <a:close/>
+              </a:path>
+            </a:pathLst>
+          </a:custGeom>
+          <a:noFill/>
+          <a:ln cap="flat" cmpd="sng" w="9525">
+            <a:solidFill>
+              <a:srgbClr val="000000"/>
+            </a:solidFill>
+            <a:prstDash val="solid"/>
+            <a:round/>
+            <a:headEnd len="sm" w="sm" type="none"/>
+            <a:tailEnd len="sm" w="sm" type="none"/>
+          </a:ln>
+        </p:spPr>
+      </p:sp>
+    </p:spTree>
+  </p:cSld>
+  <p:clrMapOvr>
+    <a:masterClrMapping/>
+  </p:clrMapOvr>
+</p:notes>
+</file>
+
+<file path=ppt/notesSlides/notesSlide17.xml><?xml version="1.0" encoding="utf-8"?>
+<p:notes xmlns:a="http://schemas.openxmlformats.org/drawingml/2006/main" xmlns:r="http://schemas.openxmlformats.org/officeDocument/2006/relationships" xmlns:mc="http://schemas.openxmlformats.org/markup-compatibility/2006" xmlns:mv="urn:schemas-microsoft-com:mac:vml" xmlns:p="http://schemas.openxmlformats.org/presentationml/2006/main" xmlns:c="http://schemas.openxmlformats.org/drawingml/2006/chart" xmlns:dgm="http://schemas.openxmlformats.org/drawingml/2006/diagram" xmlns:o="urn:schemas-microsoft-com:office:office" xmlns:v="urn:schemas-microsoft-com:vml" xmlns:pvml="urn:schemas-microsoft-com:office:powerpoint" xmlns:com="http://schemas.openxmlformats.org/drawingml/2006/compatibility" xmlns:p14="http://schemas.microsoft.com/office/powerpoint/2010/main" xmlns:p15="http://schemas.microsoft.com/office/powerpoint/2012/main" xmlns:ahyp="http://schemas.microsoft.com/office/drawing/2018/hyperlinkcolor" showMasterPhAnim="0" showMasterSp="0">
+  <p:cSld>
+    <p:spTree>
+      <p:nvGrpSpPr>
+        <p:cNvPr id="243" name="Shape 243"/>
+        <p:cNvGrpSpPr/>
+        <p:nvPr/>
+      </p:nvGrpSpPr>
+      <p:grpSpPr>
+        <a:xfrm>
+          <a:off x="0" y="0"/>
+          <a:ext cx="0" cy="0"/>
+          <a:chOff x="0" y="0"/>
+          <a:chExt cx="0" cy="0"/>
+        </a:xfrm>
+      </p:grpSpPr>
+      <p:sp>
+        <p:nvSpPr>
+          <p:cNvPr id="244" name="Google Shape;244;g126c1a2502a_7_35:notes"/>
+          <p:cNvSpPr/>
+          <p:nvPr>
+            <p:ph idx="2" type="sldImg"/>
+          </p:nvPr>
+        </p:nvSpPr>
+        <p:spPr>
+          <a:xfrm>
+            <a:off x="1143225" y="685800"/>
+            <a:ext cx="4572300" cy="3429000"/>
+          </a:xfrm>
+          <a:custGeom>
+            <a:rect b="b" l="l" r="r" t="t"/>
+            <a:pathLst>
+              <a:path extrusionOk="0" h="120000" w="120000">
+                <a:moveTo>
+                  <a:pt x="0" y="0"/>
+                </a:moveTo>
+                <a:lnTo>
+                  <a:pt x="120000" y="0"/>
+                </a:lnTo>
+                <a:lnTo>
+                  <a:pt x="120000" y="120000"/>
+                </a:lnTo>
+                <a:lnTo>
+                  <a:pt x="0" y="120000"/>
+                </a:lnTo>
+                <a:close/>
+              </a:path>
+            </a:pathLst>
+          </a:custGeom>
+        </p:spPr>
+      </p:sp>
+      <p:sp>
+        <p:nvSpPr>
+          <p:cNvPr id="245" name="Google Shape;245;g126c1a2502a_7_35:notes"/>
+          <p:cNvSpPr txBox="1"/>
+          <p:nvPr>
+            <p:ph idx="1" type="body"/>
+          </p:nvPr>
+        </p:nvSpPr>
+        <p:spPr>
+          <a:xfrm>
+            <a:off x="685800" y="4343400"/>
+            <a:ext cx="5486400" cy="4114800"/>
+          </a:xfrm>
+          <a:prstGeom prst="rect">
+            <a:avLst/>
+          </a:prstGeom>
+        </p:spPr>
+        <p:txBody>
+          <a:bodyPr anchorCtr="0" anchor="t" bIns="91425" lIns="91425" spcFirstLastPara="1" rIns="91425" wrap="square" tIns="91425">
+            <a:noAutofit/>
+          </a:bodyPr>
+          <a:lstStyle/>
+          <a:p>
+            <a:pPr indent="0" lvl="0" marL="0" rtl="0" algn="l">
+              <a:spcBef>
+                <a:spcPts val="0"/>
+              </a:spcBef>
+              <a:spcAft>
+                <a:spcPts val="0"/>
+              </a:spcAft>
+              <a:buNone/>
+            </a:pPr>
+            <a:r>
+              <a:t/>
+            </a:r>
+            <a:endParaRPr/>
+          </a:p>
+        </p:txBody>
+      </p:sp>
+    </p:spTree>
+  </p:cSld>
+  <p:clrMapOvr>
+    <a:masterClrMapping/>
+  </p:clrMapOvr>
+</p:notes>
+</file>
+
+<file path=ppt/notesSlides/notesSlide18.xml><?xml version="1.0" encoding="utf-8"?>
+<p:notes xmlns:a="http://schemas.openxmlformats.org/drawingml/2006/main" xmlns:r="http://schemas.openxmlformats.org/officeDocument/2006/relationships" xmlns:mc="http://schemas.openxmlformats.org/markup-compatibility/2006" xmlns:mv="urn:schemas-microsoft-com:mac:vml" xmlns:p="http://schemas.openxmlformats.org/presentationml/2006/main" xmlns:c="http://schemas.openxmlformats.org/drawingml/2006/chart" xmlns:dgm="http://schemas.openxmlformats.org/drawingml/2006/diagram" xmlns:o="urn:schemas-microsoft-com:office:office" xmlns:v="urn:schemas-microsoft-com:vml" xmlns:pvml="urn:schemas-microsoft-com:office:powerpoint" xmlns:com="http://schemas.openxmlformats.org/drawingml/2006/compatibility" xmlns:p14="http://schemas.microsoft.com/office/powerpoint/2010/main" xmlns:p15="http://schemas.microsoft.com/office/powerpoint/2012/main" xmlns:ahyp="http://schemas.microsoft.com/office/drawing/2018/hyperlinkcolor" showMasterPhAnim="0" showMasterSp="0">
+  <p:cSld>
+    <p:spTree>
+      <p:nvGrpSpPr>
+        <p:cNvPr id="248" name="Shape 248"/>
+        <p:cNvGrpSpPr/>
+        <p:nvPr/>
+      </p:nvGrpSpPr>
+      <p:grpSpPr>
+        <a:xfrm>
+          <a:off x="0" y="0"/>
+          <a:ext cx="0" cy="0"/>
+          <a:chOff x="0" y="0"/>
+          <a:chExt cx="0" cy="0"/>
+        </a:xfrm>
+      </p:grpSpPr>
+      <p:sp>
+        <p:nvSpPr>
+          <p:cNvPr id="249" name="Google Shape;249;g126c1a2502a_9_67:notes"/>
           <p:cNvSpPr/>
           <p:nvPr>
             <p:ph idx="2" type="sldImg"/>
@@ -1472,7 +1921,7 @@
       </p:sp>
       <p:sp>
         <p:nvSpPr>
-          <p:cNvPr id="216" name="Google Shape;216;g126c1a2502a_9_56:notes"/>
+          <p:cNvPr id="250" name="Google Shape;250;g126c1a2502a_9_67:notes"/>
           <p:cNvSpPr txBox="1"/>
           <p:nvPr>
             <p:ph idx="1" type="body"/>
@@ -1525,12 +1974,12 @@
 </p:notes>
 </file>
 
-<file path=ppt/notesSlides/notesSlide15.xml><?xml version="1.0" encoding="utf-8"?>
+<file path=ppt/notesSlides/notesSlide19.xml><?xml version="1.0" encoding="utf-8"?>
 <p:notes xmlns:a="http://schemas.openxmlformats.org/drawingml/2006/main" xmlns:r="http://schemas.openxmlformats.org/officeDocument/2006/relationships" xmlns:mc="http://schemas.openxmlformats.org/markup-compatibility/2006" xmlns:mv="urn:schemas-microsoft-com:mac:vml" xmlns:p="http://schemas.openxmlformats.org/presentationml/2006/main" xmlns:c="http://schemas.openxmlformats.org/drawingml/2006/chart" xmlns:dgm="http://schemas.openxmlformats.org/drawingml/2006/diagram" xmlns:o="urn:schemas-microsoft-com:office:office" xmlns:v="urn:schemas-microsoft-com:vml" xmlns:pvml="urn:schemas-microsoft-com:office:powerpoint" xmlns:com="http://schemas.openxmlformats.org/drawingml/2006/compatibility" xmlns:p14="http://schemas.microsoft.com/office/powerpoint/2010/main" xmlns:p15="http://schemas.microsoft.com/office/powerpoint/2012/main" xmlns:ahyp="http://schemas.microsoft.com/office/drawing/2018/hyperlinkcolor" showMasterPhAnim="0" showMasterSp="0">
   <p:cSld>
     <p:spTree>
       <p:nvGrpSpPr>
-        <p:cNvPr id="221" name="Shape 221"/>
+        <p:cNvPr id="253" name="Shape 253"/>
         <p:cNvGrpSpPr/>
         <p:nvPr/>
       </p:nvGrpSpPr>
@@ -1544,7 +1993,7 @@
       </p:grpSpPr>
       <p:sp>
         <p:nvSpPr>
-          <p:cNvPr id="222" name="Google Shape;222;g126c1a2502a_9_62:notes"/>
+          <p:cNvPr id="254" name="Google Shape;254;g126c1a2502a_9_72:notes"/>
           <p:cNvSpPr/>
           <p:nvPr>
             <p:ph idx="2" type="sldImg"/>
@@ -1589,421 +2038,7 @@
       </p:sp>
       <p:sp>
         <p:nvSpPr>
-          <p:cNvPr id="223" name="Google Shape;223;g126c1a2502a_9_62:notes"/>
-          <p:cNvSpPr txBox="1"/>
-          <p:nvPr>
-            <p:ph idx="1" type="body"/>
-          </p:nvPr>
-        </p:nvSpPr>
-        <p:spPr>
-          <a:xfrm>
-            <a:off x="685800" y="4343400"/>
-            <a:ext cx="5486400" cy="4114800"/>
-          </a:xfrm>
-          <a:prstGeom prst="rect">
-            <a:avLst/>
-          </a:prstGeom>
-          <a:noFill/>
-          <a:ln>
-            <a:noFill/>
-          </a:ln>
-        </p:spPr>
-        <p:txBody>
-          <a:bodyPr anchorCtr="0" anchor="t" bIns="91425" lIns="91425" spcFirstLastPara="1" rIns="91425" wrap="square" tIns="91425">
-            <a:noAutofit/>
-          </a:bodyPr>
-          <a:lstStyle/>
-          <a:p>
-            <a:pPr indent="0" lvl="0" marL="0" rtl="0" algn="l">
-              <a:lnSpc>
-                <a:spcPct val="100000"/>
-              </a:lnSpc>
-              <a:spcBef>
-                <a:spcPts val="0"/>
-              </a:spcBef>
-              <a:spcAft>
-                <a:spcPts val="0"/>
-              </a:spcAft>
-              <a:buSzPts val="1100"/>
-              <a:buNone/>
-            </a:pPr>
-            <a:r>
-              <a:t/>
-            </a:r>
-            <a:endParaRPr/>
-          </a:p>
-        </p:txBody>
-      </p:sp>
-    </p:spTree>
-  </p:cSld>
-  <p:clrMapOvr>
-    <a:masterClrMapping/>
-  </p:clrMapOvr>
-</p:notes>
-</file>
-
-<file path=ppt/notesSlides/notesSlide16.xml><?xml version="1.0" encoding="utf-8"?>
-<p:notes xmlns:a="http://schemas.openxmlformats.org/drawingml/2006/main" xmlns:r="http://schemas.openxmlformats.org/officeDocument/2006/relationships" xmlns:mc="http://schemas.openxmlformats.org/markup-compatibility/2006" xmlns:mv="urn:schemas-microsoft-com:mac:vml" xmlns:p="http://schemas.openxmlformats.org/presentationml/2006/main" xmlns:c="http://schemas.openxmlformats.org/drawingml/2006/chart" xmlns:dgm="http://schemas.openxmlformats.org/drawingml/2006/diagram" xmlns:o="urn:schemas-microsoft-com:office:office" xmlns:v="urn:schemas-microsoft-com:vml" xmlns:pvml="urn:schemas-microsoft-com:office:powerpoint" xmlns:com="http://schemas.openxmlformats.org/drawingml/2006/compatibility" xmlns:p14="http://schemas.microsoft.com/office/powerpoint/2010/main" xmlns:p15="http://schemas.microsoft.com/office/powerpoint/2012/main" xmlns:ahyp="http://schemas.microsoft.com/office/drawing/2018/hyperlinkcolor" showMasterPhAnim="0" showMasterSp="0">
-  <p:cSld>
-    <p:spTree>
-      <p:nvGrpSpPr>
-        <p:cNvPr id="228" name="Shape 228"/>
-        <p:cNvGrpSpPr/>
-        <p:nvPr/>
-      </p:nvGrpSpPr>
-      <p:grpSpPr>
-        <a:xfrm>
-          <a:off x="0" y="0"/>
-          <a:ext cx="0" cy="0"/>
-          <a:chOff x="0" y="0"/>
-          <a:chExt cx="0" cy="0"/>
-        </a:xfrm>
-      </p:grpSpPr>
-      <p:sp>
-        <p:nvSpPr>
-          <p:cNvPr id="229" name="Google Shape;229;g1274df0a6ee_1_0:notes"/>
-          <p:cNvSpPr/>
-          <p:nvPr>
-            <p:ph idx="2" type="sldImg"/>
-          </p:nvPr>
-        </p:nvSpPr>
-        <p:spPr>
-          <a:xfrm>
-            <a:off x="1143225" y="685800"/>
-            <a:ext cx="4572300" cy="3429000"/>
-          </a:xfrm>
-          <a:custGeom>
-            <a:rect b="b" l="l" r="r" t="t"/>
-            <a:pathLst>
-              <a:path extrusionOk="0" h="120000" w="120000">
-                <a:moveTo>
-                  <a:pt x="0" y="0"/>
-                </a:moveTo>
-                <a:lnTo>
-                  <a:pt x="120000" y="0"/>
-                </a:lnTo>
-                <a:lnTo>
-                  <a:pt x="120000" y="120000"/>
-                </a:lnTo>
-                <a:lnTo>
-                  <a:pt x="0" y="120000"/>
-                </a:lnTo>
-                <a:close/>
-              </a:path>
-            </a:pathLst>
-          </a:custGeom>
-        </p:spPr>
-      </p:sp>
-      <p:sp>
-        <p:nvSpPr>
-          <p:cNvPr id="230" name="Google Shape;230;g1274df0a6ee_1_0:notes"/>
-          <p:cNvSpPr txBox="1"/>
-          <p:nvPr>
-            <p:ph idx="1" type="body"/>
-          </p:nvPr>
-        </p:nvSpPr>
-        <p:spPr>
-          <a:xfrm>
-            <a:off x="685800" y="4343400"/>
-            <a:ext cx="5486400" cy="4114800"/>
-          </a:xfrm>
-          <a:prstGeom prst="rect">
-            <a:avLst/>
-          </a:prstGeom>
-        </p:spPr>
-        <p:txBody>
-          <a:bodyPr anchorCtr="0" anchor="t" bIns="91425" lIns="91425" spcFirstLastPara="1" rIns="91425" wrap="square" tIns="91425">
-            <a:noAutofit/>
-          </a:bodyPr>
-          <a:lstStyle/>
-          <a:p>
-            <a:pPr indent="0" lvl="0" marL="0" rtl="0" algn="l">
-              <a:spcBef>
-                <a:spcPts val="0"/>
-              </a:spcBef>
-              <a:spcAft>
-                <a:spcPts val="0"/>
-              </a:spcAft>
-              <a:buNone/>
-            </a:pPr>
-            <a:r>
-              <a:t/>
-            </a:r>
-            <a:endParaRPr/>
-          </a:p>
-        </p:txBody>
-      </p:sp>
-    </p:spTree>
-  </p:cSld>
-  <p:clrMapOvr>
-    <a:masterClrMapping/>
-  </p:clrMapOvr>
-</p:notes>
-</file>
-
-<file path=ppt/notesSlides/notesSlide17.xml><?xml version="1.0" encoding="utf-8"?>
-<p:notes xmlns:a="http://schemas.openxmlformats.org/drawingml/2006/main" xmlns:r="http://schemas.openxmlformats.org/officeDocument/2006/relationships" xmlns:mc="http://schemas.openxmlformats.org/markup-compatibility/2006" xmlns:mv="urn:schemas-microsoft-com:mac:vml" xmlns:p="http://schemas.openxmlformats.org/presentationml/2006/main" xmlns:c="http://schemas.openxmlformats.org/drawingml/2006/chart" xmlns:dgm="http://schemas.openxmlformats.org/drawingml/2006/diagram" xmlns:o="urn:schemas-microsoft-com:office:office" xmlns:v="urn:schemas-microsoft-com:vml" xmlns:pvml="urn:schemas-microsoft-com:office:powerpoint" xmlns:com="http://schemas.openxmlformats.org/drawingml/2006/compatibility" xmlns:p14="http://schemas.microsoft.com/office/powerpoint/2010/main" xmlns:p15="http://schemas.microsoft.com/office/powerpoint/2012/main" xmlns:ahyp="http://schemas.microsoft.com/office/drawing/2018/hyperlinkcolor" showMasterPhAnim="0" showMasterSp="0">
-  <p:cSld>
-    <p:spTree>
-      <p:nvGrpSpPr>
-        <p:cNvPr id="234" name="Shape 234"/>
-        <p:cNvGrpSpPr/>
-        <p:nvPr/>
-      </p:nvGrpSpPr>
-      <p:grpSpPr>
-        <a:xfrm>
-          <a:off x="0" y="0"/>
-          <a:ext cx="0" cy="0"/>
-          <a:chOff x="0" y="0"/>
-          <a:chExt cx="0" cy="0"/>
-        </a:xfrm>
-      </p:grpSpPr>
-      <p:sp>
-        <p:nvSpPr>
-          <p:cNvPr id="235" name="Google Shape;235;g126c1a2502a_6_1:notes"/>
-          <p:cNvSpPr/>
-          <p:nvPr>
-            <p:ph idx="2" type="sldImg"/>
-          </p:nvPr>
-        </p:nvSpPr>
-        <p:spPr>
-          <a:xfrm>
-            <a:off x="1143225" y="685800"/>
-            <a:ext cx="4572300" cy="3429000"/>
-          </a:xfrm>
-          <a:custGeom>
-            <a:rect b="b" l="l" r="r" t="t"/>
-            <a:pathLst>
-              <a:path extrusionOk="0" h="120000" w="120000">
-                <a:moveTo>
-                  <a:pt x="0" y="0"/>
-                </a:moveTo>
-                <a:lnTo>
-                  <a:pt x="120000" y="0"/>
-                </a:lnTo>
-                <a:lnTo>
-                  <a:pt x="120000" y="120000"/>
-                </a:lnTo>
-                <a:lnTo>
-                  <a:pt x="0" y="120000"/>
-                </a:lnTo>
-                <a:close/>
-              </a:path>
-            </a:pathLst>
-          </a:custGeom>
-        </p:spPr>
-      </p:sp>
-      <p:sp>
-        <p:nvSpPr>
-          <p:cNvPr id="236" name="Google Shape;236;g126c1a2502a_6_1:notes"/>
-          <p:cNvSpPr txBox="1"/>
-          <p:nvPr>
-            <p:ph idx="1" type="body"/>
-          </p:nvPr>
-        </p:nvSpPr>
-        <p:spPr>
-          <a:xfrm>
-            <a:off x="685800" y="4343400"/>
-            <a:ext cx="5486400" cy="4114800"/>
-          </a:xfrm>
-          <a:prstGeom prst="rect">
-            <a:avLst/>
-          </a:prstGeom>
-        </p:spPr>
-        <p:txBody>
-          <a:bodyPr anchorCtr="0" anchor="t" bIns="91425" lIns="91425" spcFirstLastPara="1" rIns="91425" wrap="square" tIns="91425">
-            <a:noAutofit/>
-          </a:bodyPr>
-          <a:lstStyle/>
-          <a:p>
-            <a:pPr indent="0" lvl="0" marL="0" rtl="0" algn="l">
-              <a:spcBef>
-                <a:spcPts val="0"/>
-              </a:spcBef>
-              <a:spcAft>
-                <a:spcPts val="0"/>
-              </a:spcAft>
-              <a:buNone/>
-            </a:pPr>
-            <a:r>
-              <a:t/>
-            </a:r>
-            <a:endParaRPr/>
-          </a:p>
-        </p:txBody>
-      </p:sp>
-    </p:spTree>
-  </p:cSld>
-  <p:clrMapOvr>
-    <a:masterClrMapping/>
-  </p:clrMapOvr>
-</p:notes>
-</file>
-
-<file path=ppt/notesSlides/notesSlide18.xml><?xml version="1.0" encoding="utf-8"?>
-<p:notes xmlns:a="http://schemas.openxmlformats.org/drawingml/2006/main" xmlns:r="http://schemas.openxmlformats.org/officeDocument/2006/relationships" xmlns:mc="http://schemas.openxmlformats.org/markup-compatibility/2006" xmlns:mv="urn:schemas-microsoft-com:mac:vml" xmlns:p="http://schemas.openxmlformats.org/presentationml/2006/main" xmlns:c="http://schemas.openxmlformats.org/drawingml/2006/chart" xmlns:dgm="http://schemas.openxmlformats.org/drawingml/2006/diagram" xmlns:o="urn:schemas-microsoft-com:office:office" xmlns:v="urn:schemas-microsoft-com:vml" xmlns:pvml="urn:schemas-microsoft-com:office:powerpoint" xmlns:com="http://schemas.openxmlformats.org/drawingml/2006/compatibility" xmlns:p14="http://schemas.microsoft.com/office/powerpoint/2010/main" xmlns:p15="http://schemas.microsoft.com/office/powerpoint/2012/main" xmlns:ahyp="http://schemas.microsoft.com/office/drawing/2018/hyperlinkcolor" showMasterPhAnim="0" showMasterSp="0">
-  <p:cSld>
-    <p:spTree>
-      <p:nvGrpSpPr>
-        <p:cNvPr id="240" name="Shape 240"/>
-        <p:cNvGrpSpPr/>
-        <p:nvPr/>
-      </p:nvGrpSpPr>
-      <p:grpSpPr>
-        <a:xfrm>
-          <a:off x="0" y="0"/>
-          <a:ext cx="0" cy="0"/>
-          <a:chOff x="0" y="0"/>
-          <a:chExt cx="0" cy="0"/>
-        </a:xfrm>
-      </p:grpSpPr>
-      <p:sp>
-        <p:nvSpPr>
-          <p:cNvPr id="241" name="Google Shape;241;g126c1a2502a_7_35:notes"/>
-          <p:cNvSpPr/>
-          <p:nvPr>
-            <p:ph idx="2" type="sldImg"/>
-          </p:nvPr>
-        </p:nvSpPr>
-        <p:spPr>
-          <a:xfrm>
-            <a:off x="1143225" y="685800"/>
-            <a:ext cx="4572300" cy="3429000"/>
-          </a:xfrm>
-          <a:custGeom>
-            <a:rect b="b" l="l" r="r" t="t"/>
-            <a:pathLst>
-              <a:path extrusionOk="0" h="120000" w="120000">
-                <a:moveTo>
-                  <a:pt x="0" y="0"/>
-                </a:moveTo>
-                <a:lnTo>
-                  <a:pt x="120000" y="0"/>
-                </a:lnTo>
-                <a:lnTo>
-                  <a:pt x="120000" y="120000"/>
-                </a:lnTo>
-                <a:lnTo>
-                  <a:pt x="0" y="120000"/>
-                </a:lnTo>
-                <a:close/>
-              </a:path>
-            </a:pathLst>
-          </a:custGeom>
-        </p:spPr>
-      </p:sp>
-      <p:sp>
-        <p:nvSpPr>
-          <p:cNvPr id="242" name="Google Shape;242;g126c1a2502a_7_35:notes"/>
-          <p:cNvSpPr txBox="1"/>
-          <p:nvPr>
-            <p:ph idx="1" type="body"/>
-          </p:nvPr>
-        </p:nvSpPr>
-        <p:spPr>
-          <a:xfrm>
-            <a:off x="685800" y="4343400"/>
-            <a:ext cx="5486400" cy="4114800"/>
-          </a:xfrm>
-          <a:prstGeom prst="rect">
-            <a:avLst/>
-          </a:prstGeom>
-        </p:spPr>
-        <p:txBody>
-          <a:bodyPr anchorCtr="0" anchor="t" bIns="91425" lIns="91425" spcFirstLastPara="1" rIns="91425" wrap="square" tIns="91425">
-            <a:noAutofit/>
-          </a:bodyPr>
-          <a:lstStyle/>
-          <a:p>
-            <a:pPr indent="0" lvl="0" marL="0" rtl="0" algn="l">
-              <a:spcBef>
-                <a:spcPts val="0"/>
-              </a:spcBef>
-              <a:spcAft>
-                <a:spcPts val="0"/>
-              </a:spcAft>
-              <a:buNone/>
-            </a:pPr>
-            <a:r>
-              <a:t/>
-            </a:r>
-            <a:endParaRPr/>
-          </a:p>
-        </p:txBody>
-      </p:sp>
-    </p:spTree>
-  </p:cSld>
-  <p:clrMapOvr>
-    <a:masterClrMapping/>
-  </p:clrMapOvr>
-</p:notes>
-</file>
-
-<file path=ppt/notesSlides/notesSlide19.xml><?xml version="1.0" encoding="utf-8"?>
-<p:notes xmlns:a="http://schemas.openxmlformats.org/drawingml/2006/main" xmlns:r="http://schemas.openxmlformats.org/officeDocument/2006/relationships" xmlns:mc="http://schemas.openxmlformats.org/markup-compatibility/2006" xmlns:mv="urn:schemas-microsoft-com:mac:vml" xmlns:p="http://schemas.openxmlformats.org/presentationml/2006/main" xmlns:c="http://schemas.openxmlformats.org/drawingml/2006/chart" xmlns:dgm="http://schemas.openxmlformats.org/drawingml/2006/diagram" xmlns:o="urn:schemas-microsoft-com:office:office" xmlns:v="urn:schemas-microsoft-com:vml" xmlns:pvml="urn:schemas-microsoft-com:office:powerpoint" xmlns:com="http://schemas.openxmlformats.org/drawingml/2006/compatibility" xmlns:p14="http://schemas.microsoft.com/office/powerpoint/2010/main" xmlns:p15="http://schemas.microsoft.com/office/powerpoint/2012/main" xmlns:ahyp="http://schemas.microsoft.com/office/drawing/2018/hyperlinkcolor" showMasterPhAnim="0" showMasterSp="0">
-  <p:cSld>
-    <p:spTree>
-      <p:nvGrpSpPr>
-        <p:cNvPr id="245" name="Shape 245"/>
-        <p:cNvGrpSpPr/>
-        <p:nvPr/>
-      </p:nvGrpSpPr>
-      <p:grpSpPr>
-        <a:xfrm>
-          <a:off x="0" y="0"/>
-          <a:ext cx="0" cy="0"/>
-          <a:chOff x="0" y="0"/>
-          <a:chExt cx="0" cy="0"/>
-        </a:xfrm>
-      </p:grpSpPr>
-      <p:sp>
-        <p:nvSpPr>
-          <p:cNvPr id="246" name="Google Shape;246;g126c1a2502a_9_67:notes"/>
-          <p:cNvSpPr/>
-          <p:nvPr>
-            <p:ph idx="2" type="sldImg"/>
-          </p:nvPr>
-        </p:nvSpPr>
-        <p:spPr>
-          <a:xfrm>
-            <a:off x="381300" y="685800"/>
-            <a:ext cx="6096000" cy="3429000"/>
-          </a:xfrm>
-          <a:custGeom>
-            <a:rect b="b" l="l" r="r" t="t"/>
-            <a:pathLst>
-              <a:path extrusionOk="0" h="120000" w="120000">
-                <a:moveTo>
-                  <a:pt x="0" y="0"/>
-                </a:moveTo>
-                <a:lnTo>
-                  <a:pt x="120000" y="0"/>
-                </a:lnTo>
-                <a:lnTo>
-                  <a:pt x="120000" y="120000"/>
-                </a:lnTo>
-                <a:lnTo>
-                  <a:pt x="0" y="120000"/>
-                </a:lnTo>
-                <a:close/>
-              </a:path>
-            </a:pathLst>
-          </a:custGeom>
-          <a:noFill/>
-          <a:ln cap="flat" cmpd="sng" w="9525">
-            <a:solidFill>
-              <a:srgbClr val="000000"/>
-            </a:solidFill>
-            <a:prstDash val="solid"/>
-            <a:round/>
-            <a:headEnd len="sm" w="sm" type="none"/>
-            <a:tailEnd len="sm" w="sm" type="none"/>
-          </a:ln>
-        </p:spPr>
-      </p:sp>
-      <p:sp>
-        <p:nvSpPr>
-          <p:cNvPr id="247" name="Google Shape;247;g126c1a2502a_9_67:notes"/>
+          <p:cNvPr id="255" name="Google Shape;255;g126c1a2502a_9_72:notes"/>
           <p:cNvSpPr txBox="1"/>
           <p:nvPr>
             <p:ph idx="1" type="body"/>
@@ -2164,123 +2199,6 @@
             <a:tailEnd len="sm" w="sm" type="none"/>
           </a:ln>
         </p:spPr>
-      </p:sp>
-    </p:spTree>
-  </p:cSld>
-  <p:clrMapOvr>
-    <a:masterClrMapping/>
-  </p:clrMapOvr>
-</p:notes>
-</file>
-
-<file path=ppt/notesSlides/notesSlide20.xml><?xml version="1.0" encoding="utf-8"?>
-<p:notes xmlns:a="http://schemas.openxmlformats.org/drawingml/2006/main" xmlns:r="http://schemas.openxmlformats.org/officeDocument/2006/relationships" xmlns:mc="http://schemas.openxmlformats.org/markup-compatibility/2006" xmlns:mv="urn:schemas-microsoft-com:mac:vml" xmlns:p="http://schemas.openxmlformats.org/presentationml/2006/main" xmlns:c="http://schemas.openxmlformats.org/drawingml/2006/chart" xmlns:dgm="http://schemas.openxmlformats.org/drawingml/2006/diagram" xmlns:o="urn:schemas-microsoft-com:office:office" xmlns:v="urn:schemas-microsoft-com:vml" xmlns:pvml="urn:schemas-microsoft-com:office:powerpoint" xmlns:com="http://schemas.openxmlformats.org/drawingml/2006/compatibility" xmlns:p14="http://schemas.microsoft.com/office/powerpoint/2010/main" xmlns:p15="http://schemas.microsoft.com/office/powerpoint/2012/main" xmlns:ahyp="http://schemas.microsoft.com/office/drawing/2018/hyperlinkcolor" showMasterPhAnim="0" showMasterSp="0">
-  <p:cSld>
-    <p:spTree>
-      <p:nvGrpSpPr>
-        <p:cNvPr id="250" name="Shape 250"/>
-        <p:cNvGrpSpPr/>
-        <p:nvPr/>
-      </p:nvGrpSpPr>
-      <p:grpSpPr>
-        <a:xfrm>
-          <a:off x="0" y="0"/>
-          <a:ext cx="0" cy="0"/>
-          <a:chOff x="0" y="0"/>
-          <a:chExt cx="0" cy="0"/>
-        </a:xfrm>
-      </p:grpSpPr>
-      <p:sp>
-        <p:nvSpPr>
-          <p:cNvPr id="251" name="Google Shape;251;g126c1a2502a_9_72:notes"/>
-          <p:cNvSpPr/>
-          <p:nvPr>
-            <p:ph idx="2" type="sldImg"/>
-          </p:nvPr>
-        </p:nvSpPr>
-        <p:spPr>
-          <a:xfrm>
-            <a:off x="381300" y="685800"/>
-            <a:ext cx="6096000" cy="3429000"/>
-          </a:xfrm>
-          <a:custGeom>
-            <a:rect b="b" l="l" r="r" t="t"/>
-            <a:pathLst>
-              <a:path extrusionOk="0" h="120000" w="120000">
-                <a:moveTo>
-                  <a:pt x="0" y="0"/>
-                </a:moveTo>
-                <a:lnTo>
-                  <a:pt x="120000" y="0"/>
-                </a:lnTo>
-                <a:lnTo>
-                  <a:pt x="120000" y="120000"/>
-                </a:lnTo>
-                <a:lnTo>
-                  <a:pt x="0" y="120000"/>
-                </a:lnTo>
-                <a:close/>
-              </a:path>
-            </a:pathLst>
-          </a:custGeom>
-          <a:noFill/>
-          <a:ln cap="flat" cmpd="sng" w="9525">
-            <a:solidFill>
-              <a:srgbClr val="000000"/>
-            </a:solidFill>
-            <a:prstDash val="solid"/>
-            <a:round/>
-            <a:headEnd len="sm" w="sm" type="none"/>
-            <a:tailEnd len="sm" w="sm" type="none"/>
-          </a:ln>
-        </p:spPr>
-      </p:sp>
-      <p:sp>
-        <p:nvSpPr>
-          <p:cNvPr id="252" name="Google Shape;252;g126c1a2502a_9_72:notes"/>
-          <p:cNvSpPr txBox="1"/>
-          <p:nvPr>
-            <p:ph idx="1" type="body"/>
-          </p:nvPr>
-        </p:nvSpPr>
-        <p:spPr>
-          <a:xfrm>
-            <a:off x="685800" y="4343400"/>
-            <a:ext cx="5486400" cy="4114800"/>
-          </a:xfrm>
-          <a:prstGeom prst="rect">
-            <a:avLst/>
-          </a:prstGeom>
-          <a:noFill/>
-          <a:ln>
-            <a:noFill/>
-          </a:ln>
-        </p:spPr>
-        <p:txBody>
-          <a:bodyPr anchorCtr="0" anchor="t" bIns="91425" lIns="91425" spcFirstLastPara="1" rIns="91425" wrap="square" tIns="91425">
-            <a:noAutofit/>
-          </a:bodyPr>
-          <a:lstStyle/>
-          <a:p>
-            <a:pPr indent="0" lvl="0" marL="0" rtl="0" algn="l">
-              <a:lnSpc>
-                <a:spcPct val="100000"/>
-              </a:lnSpc>
-              <a:spcBef>
-                <a:spcPts val="0"/>
-              </a:spcBef>
-              <a:spcAft>
-                <a:spcPts val="0"/>
-              </a:spcAft>
-              <a:buSzPts val="1100"/>
-              <a:buNone/>
-            </a:pPr>
-            <a:r>
-              <a:t/>
-            </a:r>
-            <a:endParaRPr/>
-          </a:p>
-        </p:txBody>
       </p:sp>
     </p:spTree>
   </p:cSld>
@@ -17892,7 +17810,7 @@
             </a:pPr>
             <a:r>
               <a:rPr lang="en-US" sz="2200"/>
-              <a:t>Justin Newman, Jacob Shulman, Kyle Lacanna, Jackson Brantley</a:t>
+              <a:t>Justin Newman, Jacob Shulman, Kyle Laanna, Jackson Brantley</a:t>
             </a:r>
             <a:endParaRPr sz="2200"/>
           </a:p>
@@ -18066,106 +17984,6 @@
         <p:nvSpPr>
           <p:cNvPr id="195" name="Google Shape;195;p34"/>
           <p:cNvSpPr txBox="1"/>
-          <p:nvPr>
-            <p:ph type="ctrTitle"/>
-          </p:nvPr>
-        </p:nvSpPr>
-        <p:spPr>
-          <a:xfrm>
-            <a:off x="415611" y="992767"/>
-            <a:ext cx="11360700" cy="2736900"/>
-          </a:xfrm>
-          <a:prstGeom prst="rect">
-            <a:avLst/>
-          </a:prstGeom>
-          <a:noFill/>
-          <a:ln>
-            <a:noFill/>
-          </a:ln>
-        </p:spPr>
-        <p:txBody>
-          <a:bodyPr anchorCtr="0" anchor="b" bIns="45700" lIns="91425" spcFirstLastPara="1" rIns="91425" wrap="square" tIns="45700">
-            <a:normAutofit/>
-          </a:bodyPr>
-          <a:lstStyle/>
-          <a:p>
-            <a:pPr indent="0" lvl="0" marL="0" rtl="0" algn="ctr">
-              <a:lnSpc>
-                <a:spcPct val="90000"/>
-              </a:lnSpc>
-              <a:spcBef>
-                <a:spcPts val="0"/>
-              </a:spcBef>
-              <a:spcAft>
-                <a:spcPts val="0"/>
-              </a:spcAft>
-              <a:buClr>
-                <a:schemeClr val="dk1"/>
-              </a:buClr>
-              <a:buSzPts val="6000"/>
-              <a:buFont typeface="Calibri"/>
-              <a:buNone/>
-            </a:pPr>
-            <a:r>
-              <a:rPr lang="en-US"/>
-              <a:t>Approximation</a:t>
-            </a:r>
-            <a:endParaRPr/>
-          </a:p>
-          <a:p>
-            <a:pPr indent="0" lvl="0" marL="0" rtl="0" algn="ctr">
-              <a:lnSpc>
-                <a:spcPct val="90000"/>
-              </a:lnSpc>
-              <a:spcBef>
-                <a:spcPts val="0"/>
-              </a:spcBef>
-              <a:spcAft>
-                <a:spcPts val="0"/>
-              </a:spcAft>
-              <a:buClr>
-                <a:schemeClr val="dk1"/>
-              </a:buClr>
-              <a:buSzPts val="6000"/>
-              <a:buFont typeface="Calibri"/>
-              <a:buNone/>
-            </a:pPr>
-            <a:r>
-              <a:t/>
-            </a:r>
-            <a:endParaRPr/>
-          </a:p>
-        </p:txBody>
-      </p:sp>
-    </p:spTree>
-  </p:cSld>
-  <p:clrMapOvr>
-    <a:masterClrMapping/>
-  </p:clrMapOvr>
-</p:sld>
-</file>
-
-<file path=ppt/slides/slide12.xml><?xml version="1.0" encoding="utf-8"?>
-<p:sld xmlns:a="http://schemas.openxmlformats.org/drawingml/2006/main" xmlns:r="http://schemas.openxmlformats.org/officeDocument/2006/relationships" xmlns:mc="http://schemas.openxmlformats.org/markup-compatibility/2006" xmlns:mv="urn:schemas-microsoft-com:mac:vml" xmlns:p="http://schemas.openxmlformats.org/presentationml/2006/main" xmlns:c="http://schemas.openxmlformats.org/drawingml/2006/chart" xmlns:dgm="http://schemas.openxmlformats.org/drawingml/2006/diagram" xmlns:o="urn:schemas-microsoft-com:office:office" xmlns:v="urn:schemas-microsoft-com:vml" xmlns:pvml="urn:schemas-microsoft-com:office:powerpoint" xmlns:com="http://schemas.openxmlformats.org/drawingml/2006/compatibility" xmlns:p14="http://schemas.microsoft.com/office/powerpoint/2010/main" xmlns:p15="http://schemas.microsoft.com/office/powerpoint/2012/main" xmlns:ahyp="http://schemas.microsoft.com/office/drawing/2018/hyperlinkcolor">
-  <p:cSld>
-    <p:spTree>
-      <p:nvGrpSpPr>
-        <p:cNvPr id="199" name="Shape 199"/>
-        <p:cNvGrpSpPr/>
-        <p:nvPr/>
-      </p:nvGrpSpPr>
-      <p:grpSpPr>
-        <a:xfrm>
-          <a:off x="0" y="0"/>
-          <a:ext cx="0" cy="0"/>
-          <a:chOff x="0" y="0"/>
-          <a:chExt cx="0" cy="0"/>
-        </a:xfrm>
-      </p:grpSpPr>
-      <p:sp>
-        <p:nvSpPr>
-          <p:cNvPr id="200" name="Google Shape;200;p35"/>
-          <p:cNvSpPr txBox="1"/>
           <p:nvPr/>
         </p:nvSpPr>
         <p:spPr>
@@ -18242,7 +18060,7 @@
       </p:sp>
       <p:cxnSp>
         <p:nvCxnSpPr>
-          <p:cNvPr id="201" name="Google Shape;201;p35"/>
+          <p:cNvPr id="196" name="Google Shape;196;p34"/>
           <p:cNvCxnSpPr/>
           <p:nvPr/>
         </p:nvCxnSpPr>
@@ -18268,7 +18086,7 @@
       </p:cxnSp>
       <p:sp>
         <p:nvSpPr>
-          <p:cNvPr id="202" name="Google Shape;202;p35"/>
+          <p:cNvPr id="197" name="Google Shape;197;p34"/>
           <p:cNvSpPr txBox="1"/>
           <p:nvPr>
             <p:ph idx="12" type="sldNum"/>
@@ -18332,7 +18150,7 @@
       </p:sp>
       <p:sp>
         <p:nvSpPr>
-          <p:cNvPr id="203" name="Google Shape;203;p35"/>
+          <p:cNvPr id="198" name="Google Shape;198;p34"/>
           <p:cNvSpPr txBox="1"/>
           <p:nvPr/>
         </p:nvSpPr>
@@ -18408,7 +18226,7 @@
                   <a:schemeClr val="dk2"/>
                 </a:solidFill>
               </a:rPr>
-              <a:t>Randomly pick items from the bag. If the total value of those items are within a certain margin of error from the upper bound, that is the answer. If not, pick more random items.</a:t>
+              <a:t>Randomly pick items from the input. If the total value of those items are within a certain margin of error from the upper bound, that is the answer. If not, pick more random items.</a:t>
             </a:r>
             <a:endParaRPr/>
           </a:p>
@@ -18422,12 +18240,12 @@
 </p:sld>
 </file>
 
-<file path=ppt/slides/slide13.xml><?xml version="1.0" encoding="utf-8"?>
+<file path=ppt/slides/slide12.xml><?xml version="1.0" encoding="utf-8"?>
 <p:sld xmlns:a="http://schemas.openxmlformats.org/drawingml/2006/main" xmlns:r="http://schemas.openxmlformats.org/officeDocument/2006/relationships" xmlns:mc="http://schemas.openxmlformats.org/markup-compatibility/2006" xmlns:mv="urn:schemas-microsoft-com:mac:vml" xmlns:p="http://schemas.openxmlformats.org/presentationml/2006/main" xmlns:c="http://schemas.openxmlformats.org/drawingml/2006/chart" xmlns:dgm="http://schemas.openxmlformats.org/drawingml/2006/diagram" xmlns:o="urn:schemas-microsoft-com:office:office" xmlns:v="urn:schemas-microsoft-com:vml" xmlns:pvml="urn:schemas-microsoft-com:office:powerpoint" xmlns:com="http://schemas.openxmlformats.org/drawingml/2006/compatibility" xmlns:p14="http://schemas.microsoft.com/office/powerpoint/2010/main" xmlns:p15="http://schemas.microsoft.com/office/powerpoint/2012/main" xmlns:ahyp="http://schemas.microsoft.com/office/drawing/2018/hyperlinkcolor">
   <p:cSld>
     <p:spTree>
       <p:nvGrpSpPr>
-        <p:cNvPr id="207" name="Shape 207"/>
+        <p:cNvPr id="202" name="Shape 202"/>
         <p:cNvGrpSpPr/>
         <p:nvPr/>
       </p:nvGrpSpPr>
@@ -18441,7 +18259,7 @@
       </p:grpSpPr>
       <p:sp>
         <p:nvSpPr>
-          <p:cNvPr id="208" name="Google Shape;208;p36"/>
+          <p:cNvPr id="203" name="Google Shape;203;p35"/>
           <p:cNvSpPr txBox="1"/>
           <p:nvPr/>
         </p:nvSpPr>
@@ -18500,7 +18318,7 @@
       </p:sp>
       <p:cxnSp>
         <p:nvCxnSpPr>
-          <p:cNvPr id="209" name="Google Shape;209;p36"/>
+          <p:cNvPr id="204" name="Google Shape;204;p35"/>
           <p:cNvCxnSpPr/>
           <p:nvPr/>
         </p:nvCxnSpPr>
@@ -18526,7 +18344,7 @@
       </p:cxnSp>
       <p:sp>
         <p:nvSpPr>
-          <p:cNvPr id="210" name="Google Shape;210;p36"/>
+          <p:cNvPr id="205" name="Google Shape;205;p35"/>
           <p:cNvSpPr txBox="1"/>
           <p:nvPr>
             <p:ph idx="12" type="sldNum"/>
@@ -18588,37 +18406,9 @@
           </a:p>
         </p:txBody>
       </p:sp>
-      <p:pic>
-        <p:nvPicPr>
-          <p:cNvPr id="211" name="Google Shape;211;p36"/>
-          <p:cNvPicPr preferRelativeResize="0"/>
-          <p:nvPr/>
-        </p:nvPicPr>
-        <p:blipFill>
-          <a:blip r:embed="rId3">
-            <a:alphaModFix/>
-          </a:blip>
-          <a:stretch>
-            <a:fillRect/>
-          </a:stretch>
-        </p:blipFill>
-        <p:spPr>
-          <a:xfrm>
-            <a:off x="3012400" y="838200"/>
-            <a:ext cx="9261648" cy="5950551"/>
-          </a:xfrm>
-          <a:prstGeom prst="rect">
-            <a:avLst/>
-          </a:prstGeom>
-          <a:noFill/>
-          <a:ln>
-            <a:noFill/>
-          </a:ln>
-        </p:spPr>
-      </p:pic>
       <p:sp>
         <p:nvSpPr>
-          <p:cNvPr id="212" name="Google Shape;212;p36"/>
+          <p:cNvPr id="206" name="Google Shape;206;p35"/>
           <p:cNvSpPr txBox="1"/>
           <p:nvPr/>
         </p:nvSpPr>
@@ -18660,14 +18450,14 @@
       </p:sp>
       <p:sp>
         <p:nvSpPr>
-          <p:cNvPr id="213" name="Google Shape;213;p36"/>
+          <p:cNvPr id="207" name="Google Shape;207;p35"/>
           <p:cNvSpPr txBox="1"/>
           <p:nvPr/>
         </p:nvSpPr>
         <p:spPr>
           <a:xfrm>
             <a:off x="208300" y="1245550"/>
-            <a:ext cx="2804100" cy="5570400"/>
+            <a:ext cx="3509100" cy="4579200"/>
           </a:xfrm>
           <a:prstGeom prst="rect">
             <a:avLst/>
@@ -18817,6 +18607,34 @@
           </a:p>
         </p:txBody>
       </p:sp>
+      <p:pic>
+        <p:nvPicPr>
+          <p:cNvPr id="208" name="Google Shape;208;p35"/>
+          <p:cNvPicPr preferRelativeResize="0"/>
+          <p:nvPr/>
+        </p:nvPicPr>
+        <p:blipFill>
+          <a:blip r:embed="rId3">
+            <a:alphaModFix/>
+          </a:blip>
+          <a:stretch>
+            <a:fillRect/>
+          </a:stretch>
+        </p:blipFill>
+        <p:spPr>
+          <a:xfrm>
+            <a:off x="3965950" y="1502150"/>
+            <a:ext cx="7871224" cy="5057201"/>
+          </a:xfrm>
+          <a:prstGeom prst="rect">
+            <a:avLst/>
+          </a:prstGeom>
+          <a:noFill/>
+          <a:ln>
+            <a:noFill/>
+          </a:ln>
+        </p:spPr>
+      </p:pic>
     </p:spTree>
   </p:cSld>
   <p:clrMapOvr>
@@ -18825,12 +18643,12 @@
 </p:sld>
 </file>
 
-<file path=ppt/slides/slide14.xml><?xml version="1.0" encoding="utf-8"?>
+<file path=ppt/slides/slide13.xml><?xml version="1.0" encoding="utf-8"?>
 <p:sld xmlns:a="http://schemas.openxmlformats.org/drawingml/2006/main" xmlns:r="http://schemas.openxmlformats.org/officeDocument/2006/relationships" xmlns:mc="http://schemas.openxmlformats.org/markup-compatibility/2006" xmlns:mv="urn:schemas-microsoft-com:mac:vml" xmlns:p="http://schemas.openxmlformats.org/presentationml/2006/main" xmlns:c="http://schemas.openxmlformats.org/drawingml/2006/chart" xmlns:dgm="http://schemas.openxmlformats.org/drawingml/2006/diagram" xmlns:o="urn:schemas-microsoft-com:office:office" xmlns:v="urn:schemas-microsoft-com:vml" xmlns:pvml="urn:schemas-microsoft-com:office:powerpoint" xmlns:com="http://schemas.openxmlformats.org/drawingml/2006/compatibility" xmlns:p14="http://schemas.microsoft.com/office/powerpoint/2010/main" xmlns:p15="http://schemas.microsoft.com/office/powerpoint/2012/main" xmlns:ahyp="http://schemas.microsoft.com/office/drawing/2018/hyperlinkcolor">
   <p:cSld>
     <p:spTree>
       <p:nvGrpSpPr>
-        <p:cNvPr id="217" name="Shape 217"/>
+        <p:cNvPr id="212" name="Shape 212"/>
         <p:cNvGrpSpPr/>
         <p:nvPr/>
       </p:nvGrpSpPr>
@@ -18844,16 +18662,14 @@
       </p:grpSpPr>
       <p:sp>
         <p:nvSpPr>
-          <p:cNvPr id="218" name="Google Shape;218;p37"/>
+          <p:cNvPr id="213" name="Google Shape;213;p36"/>
           <p:cNvSpPr txBox="1"/>
-          <p:nvPr>
-            <p:ph type="title"/>
-          </p:nvPr>
+          <p:nvPr/>
         </p:nvSpPr>
         <p:spPr>
           <a:xfrm>
-            <a:off x="415600" y="285300"/>
-            <a:ext cx="11360800" cy="763600"/>
+            <a:off x="0" y="-19050"/>
+            <a:ext cx="12192000" cy="857400"/>
           </a:xfrm>
           <a:prstGeom prst="rect">
             <a:avLst/>
@@ -18864,44 +18680,154 @@
           </a:ln>
         </p:spPr>
         <p:txBody>
-          <a:bodyPr anchorCtr="0" anchor="t" bIns="121900" lIns="121900" spcFirstLastPara="1" rIns="121900" wrap="square" tIns="121900">
-            <a:normAutofit fontScale="90000"/>
+          <a:bodyPr anchorCtr="0" anchor="b" bIns="45700" lIns="91425" spcFirstLastPara="1" rIns="91425" wrap="square" tIns="45700">
+            <a:noAutofit/>
           </a:bodyPr>
           <a:lstStyle/>
           <a:p>
-            <a:pPr indent="0" lvl="0" marL="0" rtl="0" algn="l">
-              <a:lnSpc>
-                <a:spcPct val="100000"/>
-              </a:lnSpc>
-              <a:spcBef>
-                <a:spcPts val="0"/>
-              </a:spcBef>
-              <a:spcAft>
-                <a:spcPts val="0"/>
-              </a:spcAft>
-              <a:buSzPct val="110810"/>
+            <a:pPr indent="0" lvl="0" marL="0" marR="0" rtl="0" algn="l">
+              <a:lnSpc>
+                <a:spcPct val="90000"/>
+              </a:lnSpc>
+              <a:spcBef>
+                <a:spcPts val="0"/>
+              </a:spcBef>
+              <a:spcAft>
+                <a:spcPts val="0"/>
+              </a:spcAft>
+              <a:buClr>
+                <a:schemeClr val="dk1"/>
+              </a:buClr>
+              <a:buSzPts val="3600"/>
+              <a:buFont typeface="Calibri"/>
               <a:buNone/>
             </a:pPr>
             <a:r>
-              <a:rPr lang="en-US"/>
-              <a:t>Pseudocode</a:t>
+              <a:rPr lang="en-US" sz="3600">
+                <a:solidFill>
+                  <a:schemeClr val="dk1"/>
+                </a:solidFill>
+                <a:latin typeface="Calibri"/>
+                <a:ea typeface="Calibri"/>
+                <a:cs typeface="Calibri"/>
+                <a:sym typeface="Calibri"/>
+              </a:rPr>
+              <a:t>    Pseudocode</a:t>
             </a:r>
-            <a:endParaRPr/>
+            <a:endParaRPr sz="3600">
+              <a:solidFill>
+                <a:schemeClr val="dk1"/>
+              </a:solidFill>
+              <a:latin typeface="Calibri"/>
+              <a:ea typeface="Calibri"/>
+              <a:cs typeface="Calibri"/>
+              <a:sym typeface="Calibri"/>
+            </a:endParaRPr>
+          </a:p>
+        </p:txBody>
+      </p:sp>
+      <p:cxnSp>
+        <p:nvCxnSpPr>
+          <p:cNvPr id="214" name="Google Shape;214;p36"/>
+          <p:cNvCxnSpPr/>
+          <p:nvPr/>
+        </p:nvCxnSpPr>
+        <p:spPr>
+          <a:xfrm>
+            <a:off x="0" y="838200"/>
+            <a:ext cx="12192000" cy="0"/>
+          </a:xfrm>
+          <a:prstGeom prst="straightConnector1">
+            <a:avLst/>
+          </a:prstGeom>
+          <a:noFill/>
+          <a:ln cap="flat" cmpd="sng" w="47625">
+            <a:solidFill>
+              <a:schemeClr val="accent1"/>
+            </a:solidFill>
+            <a:prstDash val="solid"/>
+            <a:miter lim="800000"/>
+            <a:headEnd len="sm" w="sm" type="none"/>
+            <a:tailEnd len="sm" w="sm" type="none"/>
+          </a:ln>
+        </p:spPr>
+      </p:cxnSp>
+      <p:sp>
+        <p:nvSpPr>
+          <p:cNvPr id="215" name="Google Shape;215;p36"/>
+          <p:cNvSpPr txBox="1"/>
+          <p:nvPr>
+            <p:ph idx="12" type="sldNum"/>
+          </p:nvPr>
+        </p:nvSpPr>
+        <p:spPr>
+          <a:xfrm>
+            <a:off x="11400311" y="6356350"/>
+            <a:ext cx="625500" cy="365100"/>
+          </a:xfrm>
+          <a:prstGeom prst="rect">
+            <a:avLst/>
+          </a:prstGeom>
+          <a:noFill/>
+          <a:ln>
+            <a:noFill/>
+          </a:ln>
+        </p:spPr>
+        <p:txBody>
+          <a:bodyPr anchorCtr="0" anchor="ctr" bIns="45700" lIns="91425" spcFirstLastPara="1" rIns="91425" wrap="square" tIns="45700">
+            <a:normAutofit/>
+          </a:bodyPr>
+          <a:lstStyle/>
+          <a:p>
+            <a:pPr indent="0" lvl="0" marL="0" rtl="0" algn="r">
+              <a:lnSpc>
+                <a:spcPct val="100000"/>
+              </a:lnSpc>
+              <a:spcBef>
+                <a:spcPts val="0"/>
+              </a:spcBef>
+              <a:spcAft>
+                <a:spcPts val="0"/>
+              </a:spcAft>
+              <a:buSzPts val="1300"/>
+              <a:buNone/>
+            </a:pPr>
+            <a:fld id="{00000000-1234-1234-1234-123412341234}" type="slidenum">
+              <a:rPr lang="en-US">
+                <a:solidFill>
+                  <a:schemeClr val="dk2"/>
+                </a:solidFill>
+                <a:latin typeface="Arial"/>
+                <a:ea typeface="Arial"/>
+                <a:cs typeface="Arial"/>
+                <a:sym typeface="Arial"/>
+              </a:rPr>
+              <a:t>‹#›</a:t>
+            </a:fld>
+            <a:endParaRPr>
+              <a:solidFill>
+                <a:schemeClr val="dk2"/>
+              </a:solidFill>
+              <a:latin typeface="Arial"/>
+              <a:ea typeface="Arial"/>
+              <a:cs typeface="Arial"/>
+              <a:sym typeface="Arial"/>
+            </a:endParaRPr>
           </a:p>
         </p:txBody>
       </p:sp>
       <p:sp>
         <p:nvSpPr>
-          <p:cNvPr id="219" name="Google Shape;219;p37"/>
+          <p:cNvPr id="216" name="Google Shape;216;p36"/>
           <p:cNvSpPr txBox="1"/>
           <p:nvPr>
-            <p:ph idx="1" type="body"/>
+            <p:ph idx="4294967295" type="body"/>
           </p:nvPr>
         </p:nvSpPr>
         <p:spPr>
           <a:xfrm>
-            <a:off x="136833" y="1110433"/>
-            <a:ext cx="6188400" cy="5782400"/>
+            <a:off x="135450" y="1008075"/>
+            <a:ext cx="6188400" cy="5846700"/>
           </a:xfrm>
           <a:prstGeom prst="rect">
             <a:avLst/>
@@ -19946,14 +19872,14 @@
       </p:sp>
       <p:sp>
         <p:nvSpPr>
-          <p:cNvPr id="220" name="Google Shape;220;p37"/>
+          <p:cNvPr id="217" name="Google Shape;217;p36"/>
           <p:cNvSpPr txBox="1"/>
           <p:nvPr/>
         </p:nvSpPr>
         <p:spPr>
           <a:xfrm>
-            <a:off x="6325233" y="1110433"/>
-            <a:ext cx="5732700" cy="6124500"/>
+            <a:off x="6323850" y="1008075"/>
+            <a:ext cx="5732700" cy="5846700"/>
           </a:xfrm>
           <a:prstGeom prst="rect">
             <a:avLst/>
@@ -20005,7 +19931,7 @@
                 <a:cs typeface="Courier New"/>
                 <a:sym typeface="Courier New"/>
               </a:rPr>
-              <a:t>pickRandomItemToAdd(items, weightRemaining</a:t>
+              <a:t>pickRandomItemToAdd(items, weightRemaining)</a:t>
             </a:r>
             <a:r>
               <a:rPr b="0" i="0" lang="en-US" sz="1800" u="none" cap="none" strike="noStrike">
@@ -20755,7 +20681,7 @@
             </a:endParaRPr>
           </a:p>
           <a:p>
-            <a:pPr indent="0" lvl="0" marL="609600" marR="0" rtl="0" algn="l">
+            <a:pPr indent="0" lvl="0" marL="0" marR="0" rtl="0" algn="l">
               <a:lnSpc>
                 <a:spcPct val="95000"/>
               </a:lnSpc>
@@ -20775,7 +20701,7 @@
             <a:r>
               <a:t/>
             </a:r>
-            <a:endParaRPr b="0" i="0" sz="1900" u="none" cap="none" strike="noStrike">
+            <a:endParaRPr sz="1900">
               <a:solidFill>
                 <a:schemeClr val="dk1"/>
               </a:solidFill>
@@ -20789,7 +20715,7 @@
             </a:endParaRPr>
           </a:p>
           <a:p>
-            <a:pPr indent="0" lvl="0" marL="609600" marR="0" rtl="0" algn="l">
+            <a:pPr indent="0" lvl="0" marL="0" marR="0" rtl="0" algn="l">
               <a:lnSpc>
                 <a:spcPct val="95000"/>
               </a:lnSpc>
@@ -20809,41 +20735,7 @@
             <a:r>
               <a:t/>
             </a:r>
-            <a:endParaRPr b="0" i="0" sz="1900" u="none" cap="none" strike="noStrike">
-              <a:solidFill>
-                <a:schemeClr val="dk1"/>
-              </a:solidFill>
-              <a:highlight>
-                <a:srgbClr val="FFFFFF"/>
-              </a:highlight>
-              <a:latin typeface="Roboto"/>
-              <a:ea typeface="Roboto"/>
-              <a:cs typeface="Roboto"/>
-              <a:sym typeface="Roboto"/>
-            </a:endParaRPr>
-          </a:p>
-          <a:p>
-            <a:pPr indent="0" lvl="0" marL="609600" marR="0" rtl="0" algn="l">
-              <a:lnSpc>
-                <a:spcPct val="95000"/>
-              </a:lnSpc>
-              <a:spcBef>
-                <a:spcPts val="0"/>
-              </a:spcBef>
-              <a:spcAft>
-                <a:spcPts val="0"/>
-              </a:spcAft>
-              <a:buClr>
-                <a:srgbClr val="000000"/>
-              </a:buClr>
-              <a:buSzPts val="1900"/>
-              <a:buFont typeface="Arial"/>
-              <a:buNone/>
-            </a:pPr>
-            <a:r>
-              <a:t/>
-            </a:r>
-            <a:endParaRPr b="0" i="0" sz="1900" u="none" cap="none" strike="noStrike">
+            <a:endParaRPr sz="1900">
               <a:solidFill>
                 <a:schemeClr val="dk1"/>
               </a:solidFill>
@@ -20900,12 +20792,12 @@
 </p:sld>
 </file>
 
-<file path=ppt/slides/slide15.xml><?xml version="1.0" encoding="utf-8"?>
+<file path=ppt/slides/slide14.xml><?xml version="1.0" encoding="utf-8"?>
 <p:sld xmlns:a="http://schemas.openxmlformats.org/drawingml/2006/main" xmlns:r="http://schemas.openxmlformats.org/officeDocument/2006/relationships" xmlns:mc="http://schemas.openxmlformats.org/markup-compatibility/2006" xmlns:mv="urn:schemas-microsoft-com:mac:vml" xmlns:p="http://schemas.openxmlformats.org/presentationml/2006/main" xmlns:c="http://schemas.openxmlformats.org/drawingml/2006/chart" xmlns:dgm="http://schemas.openxmlformats.org/drawingml/2006/diagram" xmlns:o="urn:schemas-microsoft-com:office:office" xmlns:v="urn:schemas-microsoft-com:vml" xmlns:pvml="urn:schemas-microsoft-com:office:powerpoint" xmlns:com="http://schemas.openxmlformats.org/drawingml/2006/compatibility" xmlns:p14="http://schemas.microsoft.com/office/powerpoint/2010/main" xmlns:p15="http://schemas.microsoft.com/office/powerpoint/2012/main" xmlns:ahyp="http://schemas.microsoft.com/office/drawing/2018/hyperlinkcolor">
   <p:cSld>
     <p:spTree>
       <p:nvGrpSpPr>
-        <p:cNvPr id="224" name="Shape 224"/>
+        <p:cNvPr id="221" name="Shape 221"/>
         <p:cNvGrpSpPr/>
         <p:nvPr/>
       </p:nvGrpSpPr>
@@ -20919,16 +20811,14 @@
       </p:grpSpPr>
       <p:sp>
         <p:nvSpPr>
-          <p:cNvPr id="225" name="Google Shape;225;p38"/>
+          <p:cNvPr id="222" name="Google Shape;222;p37"/>
           <p:cNvSpPr txBox="1"/>
-          <p:nvPr>
-            <p:ph type="title"/>
-          </p:nvPr>
+          <p:nvPr/>
         </p:nvSpPr>
         <p:spPr>
           <a:xfrm>
-            <a:off x="415600" y="593367"/>
-            <a:ext cx="11360800" cy="763600"/>
+            <a:off x="0" y="-19050"/>
+            <a:ext cx="12192000" cy="857400"/>
           </a:xfrm>
           <a:prstGeom prst="rect">
             <a:avLst/>
@@ -20939,44 +20829,90 @@
           </a:ln>
         </p:spPr>
         <p:txBody>
-          <a:bodyPr anchorCtr="0" anchor="t" bIns="121900" lIns="121900" spcFirstLastPara="1" rIns="121900" wrap="square" tIns="121900">
-            <a:normAutofit fontScale="90000"/>
+          <a:bodyPr anchorCtr="0" anchor="b" bIns="45700" lIns="91425" spcFirstLastPara="1" rIns="91425" wrap="square" tIns="45700">
+            <a:noAutofit/>
           </a:bodyPr>
           <a:lstStyle/>
           <a:p>
-            <a:pPr indent="0" lvl="0" marL="0" rtl="0" algn="l">
-              <a:lnSpc>
-                <a:spcPct val="100000"/>
-              </a:lnSpc>
-              <a:spcBef>
-                <a:spcPts val="0"/>
-              </a:spcBef>
-              <a:spcAft>
-                <a:spcPts val="0"/>
-              </a:spcAft>
-              <a:buSzPct val="110810"/>
+            <a:pPr indent="0" lvl="0" marL="0" marR="0" rtl="0" algn="l">
+              <a:lnSpc>
+                <a:spcPct val="90000"/>
+              </a:lnSpc>
+              <a:spcBef>
+                <a:spcPts val="0"/>
+              </a:spcBef>
+              <a:spcAft>
+                <a:spcPts val="0"/>
+              </a:spcAft>
+              <a:buClr>
+                <a:schemeClr val="dk1"/>
+              </a:buClr>
+              <a:buSzPts val="3600"/>
+              <a:buFont typeface="Calibri"/>
               <a:buNone/>
             </a:pPr>
             <a:r>
-              <a:rPr lang="en-US"/>
-              <a:t>Runtime Analysis</a:t>
+              <a:rPr lang="en-US" sz="3600">
+                <a:solidFill>
+                  <a:schemeClr val="dk1"/>
+                </a:solidFill>
+                <a:latin typeface="Calibri"/>
+                <a:ea typeface="Calibri"/>
+                <a:cs typeface="Calibri"/>
+                <a:sym typeface="Calibri"/>
+              </a:rPr>
+              <a:t>    Runtime Analysis</a:t>
             </a:r>
-            <a:endParaRPr/>
+            <a:endParaRPr sz="3600">
+              <a:solidFill>
+                <a:schemeClr val="dk1"/>
+              </a:solidFill>
+              <a:latin typeface="Calibri"/>
+              <a:ea typeface="Calibri"/>
+              <a:cs typeface="Calibri"/>
+              <a:sym typeface="Calibri"/>
+            </a:endParaRPr>
           </a:p>
         </p:txBody>
       </p:sp>
+      <p:cxnSp>
+        <p:nvCxnSpPr>
+          <p:cNvPr id="223" name="Google Shape;223;p37"/>
+          <p:cNvCxnSpPr/>
+          <p:nvPr/>
+        </p:nvCxnSpPr>
+        <p:spPr>
+          <a:xfrm>
+            <a:off x="0" y="838200"/>
+            <a:ext cx="12192000" cy="0"/>
+          </a:xfrm>
+          <a:prstGeom prst="straightConnector1">
+            <a:avLst/>
+          </a:prstGeom>
+          <a:noFill/>
+          <a:ln cap="flat" cmpd="sng" w="47625">
+            <a:solidFill>
+              <a:schemeClr val="accent1"/>
+            </a:solidFill>
+            <a:prstDash val="solid"/>
+            <a:miter lim="800000"/>
+            <a:headEnd len="sm" w="sm" type="none"/>
+            <a:tailEnd len="sm" w="sm" type="none"/>
+          </a:ln>
+        </p:spPr>
+      </p:cxnSp>
       <p:sp>
         <p:nvSpPr>
-          <p:cNvPr id="226" name="Google Shape;226;p38"/>
+          <p:cNvPr id="224" name="Google Shape;224;p37"/>
           <p:cNvSpPr txBox="1"/>
           <p:nvPr>
-            <p:ph idx="1" type="body"/>
+            <p:ph idx="12" type="sldNum"/>
           </p:nvPr>
         </p:nvSpPr>
         <p:spPr>
           <a:xfrm>
-            <a:off x="415600" y="1536633"/>
-            <a:ext cx="11360800" cy="4555200"/>
+            <a:off x="11400311" y="6356350"/>
+            <a:ext cx="625500" cy="365100"/>
           </a:xfrm>
           <a:prstGeom prst="rect">
             <a:avLst/>
@@ -20987,28 +20923,72 @@
           </a:ln>
         </p:spPr>
         <p:txBody>
-          <a:bodyPr anchorCtr="0" anchor="t" bIns="121900" lIns="121900" spcFirstLastPara="1" rIns="121900" wrap="square" tIns="121900">
+          <a:bodyPr anchorCtr="0" anchor="ctr" bIns="45700" lIns="91425" spcFirstLastPara="1" rIns="91425" wrap="square" tIns="45700">
             <a:normAutofit/>
           </a:bodyPr>
           <a:lstStyle/>
           <a:p>
-            <a:pPr indent="0" lvl="0" marL="609600" rtl="0" algn="l">
-              <a:lnSpc>
-                <a:spcPct val="115000"/>
-              </a:lnSpc>
-              <a:spcBef>
-                <a:spcPts val="0"/>
-              </a:spcBef>
-              <a:spcAft>
-                <a:spcPts val="0"/>
-              </a:spcAft>
+            <a:pPr indent="0" lvl="0" marL="0" rtl="0" algn="r">
+              <a:lnSpc>
+                <a:spcPct val="100000"/>
+              </a:lnSpc>
+              <a:spcBef>
+                <a:spcPts val="0"/>
+              </a:spcBef>
+              <a:spcAft>
+                <a:spcPts val="0"/>
+              </a:spcAft>
+              <a:buSzPts val="1300"/>
               <a:buNone/>
             </a:pPr>
-            <a:r>
-              <a:t/>
-            </a:r>
-            <a:endParaRPr/>
+            <a:fld id="{00000000-1234-1234-1234-123412341234}" type="slidenum">
+              <a:rPr lang="en-US">
+                <a:solidFill>
+                  <a:schemeClr val="dk2"/>
+                </a:solidFill>
+                <a:latin typeface="Arial"/>
+                <a:ea typeface="Arial"/>
+                <a:cs typeface="Arial"/>
+                <a:sym typeface="Arial"/>
+              </a:rPr>
+              <a:t>‹#›</a:t>
+            </a:fld>
+            <a:endParaRPr>
+              <a:solidFill>
+                <a:schemeClr val="dk2"/>
+              </a:solidFill>
+              <a:latin typeface="Arial"/>
+              <a:ea typeface="Arial"/>
+              <a:cs typeface="Arial"/>
+              <a:sym typeface="Arial"/>
+            </a:endParaRPr>
           </a:p>
+        </p:txBody>
+      </p:sp>
+      <p:sp>
+        <p:nvSpPr>
+          <p:cNvPr id="225" name="Google Shape;225;p37"/>
+          <p:cNvSpPr txBox="1"/>
+          <p:nvPr/>
+        </p:nvSpPr>
+        <p:spPr>
+          <a:xfrm>
+            <a:off x="493500" y="2671775"/>
+            <a:ext cx="11205000" cy="2760600"/>
+          </a:xfrm>
+          <a:prstGeom prst="rect">
+            <a:avLst/>
+          </a:prstGeom>
+          <a:noFill/>
+          <a:ln>
+            <a:noFill/>
+          </a:ln>
+        </p:spPr>
+        <p:txBody>
+          <a:bodyPr anchorCtr="0" anchor="t" bIns="91425" lIns="91425" spcFirstLastPara="1" rIns="91425" wrap="square" tIns="91425">
+            <a:spAutoFit/>
+          </a:bodyPr>
+          <a:lstStyle/>
           <a:p>
             <a:pPr indent="-457200" lvl="0" marL="609600" rtl="0" algn="l">
               <a:lnSpc>
@@ -21020,14 +21000,25 @@
               <a:spcAft>
                 <a:spcPts val="0"/>
               </a:spcAft>
+              <a:buClr>
+                <a:schemeClr val="dk2"/>
+              </a:buClr>
               <a:buSzPts val="2400"/>
               <a:buChar char="-"/>
             </a:pPr>
             <a:r>
-              <a:rPr lang="en-US"/>
+              <a:rPr lang="en-US" sz="2400">
+                <a:solidFill>
+                  <a:schemeClr val="dk2"/>
+                </a:solidFill>
+              </a:rPr>
               <a:t>The algorithm contains a while loop that could run forever based on inputs but gets manually stopped if it runs longer than 5 seconds.</a:t>
             </a:r>
-            <a:endParaRPr/>
+            <a:endParaRPr sz="2400">
+              <a:solidFill>
+                <a:schemeClr val="dk2"/>
+              </a:solidFill>
+            </a:endParaRPr>
           </a:p>
           <a:p>
             <a:pPr indent="-425450" lvl="1" marL="1219200" rtl="0" algn="l">
@@ -21040,22 +21031,25 @@
               <a:spcAft>
                 <a:spcPts val="0"/>
               </a:spcAft>
+              <a:buClr>
+                <a:schemeClr val="dk2"/>
+              </a:buClr>
               <a:buSzPts val="1900"/>
-              <a:buChar char="-"/>
+              <a:buChar char="○"/>
             </a:pPr>
             <a:r>
-              <a:rPr lang="en-US"/>
-              <a:t>Within the while loop is another while loop but it halts after running at most </a:t>
+              <a:rPr lang="en-US" sz="1900">
+                <a:solidFill>
+                  <a:schemeClr val="dk2"/>
+                </a:solidFill>
+              </a:rPr>
+              <a:t>Within the while loop is another while loop but it halts after running at most w(max weight) times.</a:t>
             </a:r>
-            <a:r>
-              <a:rPr lang="en-US"/>
-              <a:t>w(max weight)</a:t>
-            </a:r>
-            <a:r>
-              <a:rPr lang="en-US"/>
-              <a:t> times.</a:t>
-            </a:r>
-            <a:endParaRPr/>
+            <a:endParaRPr sz="1900">
+              <a:solidFill>
+                <a:schemeClr val="dk2"/>
+              </a:solidFill>
+            </a:endParaRPr>
           </a:p>
           <a:p>
             <a:pPr indent="-457200" lvl="0" marL="609600" rtl="0" algn="l">
@@ -21068,14 +21062,25 @@
               <a:spcAft>
                 <a:spcPts val="0"/>
               </a:spcAft>
+              <a:buClr>
+                <a:schemeClr val="dk2"/>
+              </a:buClr>
               <a:buSzPts val="2400"/>
               <a:buChar char="-"/>
             </a:pPr>
             <a:r>
-              <a:rPr lang="en-US"/>
+              <a:rPr lang="en-US" sz="2400">
+                <a:solidFill>
+                  <a:schemeClr val="dk2"/>
+                </a:solidFill>
+              </a:rPr>
               <a:t>O(nlog(n)) time comes from using python’s sorting methods.</a:t>
             </a:r>
-            <a:endParaRPr/>
+            <a:endParaRPr sz="2400">
+              <a:solidFill>
+                <a:schemeClr val="dk2"/>
+              </a:solidFill>
+            </a:endParaRPr>
           </a:p>
           <a:p>
             <a:pPr indent="-425450" lvl="1" marL="1219200" rtl="0" algn="l">
@@ -21088,20 +21093,31 @@
               <a:spcAft>
                 <a:spcPts val="0"/>
               </a:spcAft>
+              <a:buClr>
+                <a:schemeClr val="dk2"/>
+              </a:buClr>
               <a:buSzPts val="1900"/>
-              <a:buChar char="-"/>
+              <a:buChar char="○"/>
             </a:pPr>
             <a:r>
-              <a:rPr lang="en-US"/>
+              <a:rPr lang="en-US" sz="1900">
+                <a:solidFill>
+                  <a:schemeClr val="dk2"/>
+                </a:solidFill>
+              </a:rPr>
               <a:t>The larger the input the more time sorting takes and the less time the algorithm has to try random combinations in the specified time.</a:t>
             </a:r>
-            <a:endParaRPr/>
+            <a:endParaRPr sz="2400">
+              <a:solidFill>
+                <a:schemeClr val="dk2"/>
+              </a:solidFill>
+            </a:endParaRPr>
           </a:p>
         </p:txBody>
       </p:sp>
       <p:pic>
         <p:nvPicPr>
-          <p:cNvPr id="227" name="Google Shape;227;p38"/>
+          <p:cNvPr id="226" name="Google Shape;226;p37"/>
           <p:cNvPicPr preferRelativeResize="0"/>
           <p:nvPr/>
         </p:nvPicPr>
@@ -21115,8 +21131,8 @@
         </p:blipFill>
         <p:spPr>
           <a:xfrm>
-            <a:off x="6214863" y="715946"/>
-            <a:ext cx="2889215" cy="641025"/>
+            <a:off x="4352902" y="1368251"/>
+            <a:ext cx="3486200" cy="773475"/>
           </a:xfrm>
           <a:prstGeom prst="rect">
             <a:avLst/>
@@ -21135,12 +21151,12 @@
 </p:sld>
 </file>
 
-<file path=ppt/slides/slide16.xml><?xml version="1.0" encoding="utf-8"?>
+<file path=ppt/slides/slide15.xml><?xml version="1.0" encoding="utf-8"?>
 <p:sld xmlns:a="http://schemas.openxmlformats.org/drawingml/2006/main" xmlns:r="http://schemas.openxmlformats.org/officeDocument/2006/relationships" xmlns:mc="http://schemas.openxmlformats.org/markup-compatibility/2006" xmlns:mv="urn:schemas-microsoft-com:mac:vml" xmlns:p="http://schemas.openxmlformats.org/presentationml/2006/main" xmlns:c="http://schemas.openxmlformats.org/drawingml/2006/chart" xmlns:dgm="http://schemas.openxmlformats.org/drawingml/2006/diagram" xmlns:o="urn:schemas-microsoft-com:office:office" xmlns:v="urn:schemas-microsoft-com:vml" xmlns:pvml="urn:schemas-microsoft-com:office:powerpoint" xmlns:com="http://schemas.openxmlformats.org/drawingml/2006/compatibility" xmlns:p14="http://schemas.microsoft.com/office/powerpoint/2010/main" xmlns:p15="http://schemas.microsoft.com/office/powerpoint/2012/main" xmlns:ahyp="http://schemas.microsoft.com/office/drawing/2018/hyperlinkcolor">
   <p:cSld>
     <p:spTree>
       <p:nvGrpSpPr>
-        <p:cNvPr id="231" name="Shape 231"/>
+        <p:cNvPr id="230" name="Shape 230"/>
         <p:cNvGrpSpPr/>
         <p:nvPr/>
       </p:nvGrpSpPr>
@@ -21154,68 +21170,613 @@
       </p:grpSpPr>
       <p:sp>
         <p:nvSpPr>
-          <p:cNvPr id="232" name="Google Shape;232;p39"/>
+          <p:cNvPr id="231" name="Google Shape;231;p38"/>
+          <p:cNvSpPr txBox="1"/>
+          <p:nvPr/>
+        </p:nvSpPr>
+        <p:spPr>
+          <a:xfrm>
+            <a:off x="0" y="-19050"/>
+            <a:ext cx="12192000" cy="857400"/>
+          </a:xfrm>
+          <a:prstGeom prst="rect">
+            <a:avLst/>
+          </a:prstGeom>
+          <a:noFill/>
+          <a:ln>
+            <a:noFill/>
+          </a:ln>
+        </p:spPr>
+        <p:txBody>
+          <a:bodyPr anchorCtr="0" anchor="b" bIns="45700" lIns="91425" spcFirstLastPara="1" rIns="91425" wrap="square" tIns="45700">
+            <a:noAutofit/>
+          </a:bodyPr>
+          <a:lstStyle/>
+          <a:p>
+            <a:pPr indent="0" lvl="0" marL="0" rtl="0" algn="l">
+              <a:spcBef>
+                <a:spcPts val="0"/>
+              </a:spcBef>
+              <a:spcAft>
+                <a:spcPts val="0"/>
+              </a:spcAft>
+              <a:buClr>
+                <a:schemeClr val="dk1"/>
+              </a:buClr>
+              <a:buSzPts val="1100"/>
+              <a:buFont typeface="Arial"/>
+              <a:buNone/>
+            </a:pPr>
+            <a:r>
+              <a:rPr lang="en-US" sz="3700">
+                <a:solidFill>
+                  <a:schemeClr val="dk1"/>
+                </a:solidFill>
+              </a:rPr>
+              <a:t>Special Cases</a:t>
+            </a:r>
+            <a:endParaRPr sz="3700">
+              <a:solidFill>
+                <a:schemeClr val="dk1"/>
+              </a:solidFill>
+            </a:endParaRPr>
+          </a:p>
+        </p:txBody>
+      </p:sp>
+      <p:cxnSp>
+        <p:nvCxnSpPr>
+          <p:cNvPr id="232" name="Google Shape;232;p38"/>
+          <p:cNvCxnSpPr/>
+          <p:nvPr/>
+        </p:nvCxnSpPr>
+        <p:spPr>
+          <a:xfrm>
+            <a:off x="0" y="838200"/>
+            <a:ext cx="12192000" cy="0"/>
+          </a:xfrm>
+          <a:prstGeom prst="straightConnector1">
+            <a:avLst/>
+          </a:prstGeom>
+          <a:noFill/>
+          <a:ln cap="flat" cmpd="sng" w="47625">
+            <a:solidFill>
+              <a:schemeClr val="accent1"/>
+            </a:solidFill>
+            <a:prstDash val="solid"/>
+            <a:miter lim="800000"/>
+            <a:headEnd len="sm" w="sm" type="none"/>
+            <a:tailEnd len="sm" w="sm" type="none"/>
+          </a:ln>
+        </p:spPr>
+      </p:cxnSp>
+      <p:sp>
+        <p:nvSpPr>
+          <p:cNvPr id="233" name="Google Shape;233;p38"/>
           <p:cNvSpPr txBox="1"/>
           <p:nvPr>
-            <p:ph type="title"/>
+            <p:ph idx="12" type="sldNum"/>
           </p:nvPr>
         </p:nvSpPr>
         <p:spPr>
           <a:xfrm>
-            <a:off x="415600" y="593367"/>
-            <a:ext cx="11360700" cy="763500"/>
+            <a:off x="11400311" y="6356350"/>
+            <a:ext cx="625500" cy="365100"/>
           </a:xfrm>
           <a:prstGeom prst="rect">
             <a:avLst/>
           </a:prstGeom>
+          <a:noFill/>
+          <a:ln>
+            <a:noFill/>
+          </a:ln>
         </p:spPr>
         <p:txBody>
-          <a:bodyPr anchorCtr="0" anchor="t" bIns="121900" lIns="121900" spcFirstLastPara="1" rIns="121900" wrap="square" tIns="121900">
-            <a:normAutofit fontScale="90000"/>
+          <a:bodyPr anchorCtr="0" anchor="ctr" bIns="45700" lIns="91425" spcFirstLastPara="1" rIns="91425" wrap="square" tIns="45700">
+            <a:normAutofit/>
           </a:bodyPr>
           <a:lstStyle/>
           <a:p>
-            <a:pPr indent="0" lvl="0" marL="0" rtl="0" algn="l">
-              <a:spcBef>
-                <a:spcPts val="0"/>
-              </a:spcBef>
-              <a:spcAft>
-                <a:spcPts val="0"/>
-              </a:spcAft>
+            <a:pPr indent="0" lvl="0" marL="0" rtl="0" algn="r">
+              <a:lnSpc>
+                <a:spcPct val="100000"/>
+              </a:lnSpc>
+              <a:spcBef>
+                <a:spcPts val="0"/>
+              </a:spcBef>
+              <a:spcAft>
+                <a:spcPts val="0"/>
+              </a:spcAft>
+              <a:buSzPts val="1300"/>
               <a:buNone/>
             </a:pPr>
-            <a:r>
-              <a:rPr lang="en-US"/>
-              <a:t>Special Cases</a:t>
-            </a:r>
-            <a:endParaRPr/>
+            <a:fld id="{00000000-1234-1234-1234-123412341234}" type="slidenum">
+              <a:rPr lang="en-US">
+                <a:solidFill>
+                  <a:schemeClr val="dk2"/>
+                </a:solidFill>
+                <a:latin typeface="Arial"/>
+                <a:ea typeface="Arial"/>
+                <a:cs typeface="Arial"/>
+                <a:sym typeface="Arial"/>
+              </a:rPr>
+              <a:t>‹#›</a:t>
+            </a:fld>
+            <a:endParaRPr>
+              <a:solidFill>
+                <a:schemeClr val="dk2"/>
+              </a:solidFill>
+              <a:latin typeface="Arial"/>
+              <a:ea typeface="Arial"/>
+              <a:cs typeface="Arial"/>
+              <a:sym typeface="Arial"/>
+            </a:endParaRPr>
           </a:p>
         </p:txBody>
       </p:sp>
       <p:sp>
         <p:nvSpPr>
-          <p:cNvPr id="233" name="Google Shape;233;p39"/>
+          <p:cNvPr id="234" name="Google Shape;234;p38"/>
+          <p:cNvSpPr txBox="1"/>
+          <p:nvPr/>
+        </p:nvSpPr>
+        <p:spPr>
+          <a:xfrm>
+            <a:off x="493500" y="1309800"/>
+            <a:ext cx="11205000" cy="4494300"/>
+          </a:xfrm>
+          <a:prstGeom prst="rect">
+            <a:avLst/>
+          </a:prstGeom>
+          <a:noFill/>
+          <a:ln>
+            <a:noFill/>
+          </a:ln>
+        </p:spPr>
+        <p:txBody>
+          <a:bodyPr anchorCtr="0" anchor="t" bIns="91425" lIns="91425" spcFirstLastPara="1" rIns="91425" wrap="square" tIns="91425">
+            <a:spAutoFit/>
+          </a:bodyPr>
+          <a:lstStyle/>
+          <a:p>
+            <a:pPr indent="0" lvl="0" marL="0" rtl="0" algn="l">
+              <a:lnSpc>
+                <a:spcPct val="115000"/>
+              </a:lnSpc>
+              <a:spcBef>
+                <a:spcPts val="0"/>
+              </a:spcBef>
+              <a:spcAft>
+                <a:spcPts val="0"/>
+              </a:spcAft>
+              <a:buClr>
+                <a:schemeClr val="dk1"/>
+              </a:buClr>
+              <a:buSzPts val="1100"/>
+              <a:buFont typeface="Arial"/>
+              <a:buNone/>
+            </a:pPr>
+            <a:r>
+              <a:rPr lang="en-US" sz="2400">
+                <a:solidFill>
+                  <a:schemeClr val="dk2"/>
+                </a:solidFill>
+              </a:rPr>
+              <a:t>Example when the approximate solution does not find the best answer:</a:t>
+            </a:r>
+            <a:endParaRPr sz="2400">
+              <a:solidFill>
+                <a:schemeClr val="dk2"/>
+              </a:solidFill>
+            </a:endParaRPr>
+          </a:p>
+          <a:p>
+            <a:pPr indent="0" lvl="0" marL="0" rtl="0" algn="l">
+              <a:lnSpc>
+                <a:spcPct val="115000"/>
+              </a:lnSpc>
+              <a:spcBef>
+                <a:spcPts val="0"/>
+              </a:spcBef>
+              <a:spcAft>
+                <a:spcPts val="0"/>
+              </a:spcAft>
+              <a:buClr>
+                <a:schemeClr val="dk1"/>
+              </a:buClr>
+              <a:buSzPts val="1100"/>
+              <a:buFont typeface="Arial"/>
+              <a:buNone/>
+            </a:pPr>
+            <a:r>
+              <a:t/>
+            </a:r>
+            <a:endParaRPr sz="2400">
+              <a:solidFill>
+                <a:schemeClr val="dk2"/>
+              </a:solidFill>
+            </a:endParaRPr>
+          </a:p>
+          <a:p>
+            <a:pPr indent="-381000" lvl="0" marL="457200" rtl="0" algn="l">
+              <a:lnSpc>
+                <a:spcPct val="115000"/>
+              </a:lnSpc>
+              <a:spcBef>
+                <a:spcPts val="0"/>
+              </a:spcBef>
+              <a:spcAft>
+                <a:spcPts val="0"/>
+              </a:spcAft>
+              <a:buClr>
+                <a:schemeClr val="dk2"/>
+              </a:buClr>
+              <a:buSzPts val="2400"/>
+              <a:buChar char="-"/>
+            </a:pPr>
+            <a:r>
+              <a:rPr lang="en-US" sz="2400">
+                <a:solidFill>
+                  <a:schemeClr val="dk2"/>
+                </a:solidFill>
+              </a:rPr>
+              <a:t>If the all the possible items are bigger than the bag size then the algorithm will run until forced timeout.</a:t>
+            </a:r>
+            <a:endParaRPr sz="2400">
+              <a:solidFill>
+                <a:schemeClr val="dk2"/>
+              </a:solidFill>
+            </a:endParaRPr>
+          </a:p>
+          <a:p>
+            <a:pPr indent="0" lvl="0" marL="0" rtl="0" algn="l">
+              <a:lnSpc>
+                <a:spcPct val="115000"/>
+              </a:lnSpc>
+              <a:spcBef>
+                <a:spcPts val="0"/>
+              </a:spcBef>
+              <a:spcAft>
+                <a:spcPts val="0"/>
+              </a:spcAft>
+              <a:buClr>
+                <a:schemeClr val="dk1"/>
+              </a:buClr>
+              <a:buSzPts val="1100"/>
+              <a:buFont typeface="Arial"/>
+              <a:buNone/>
+            </a:pPr>
+            <a:r>
+              <a:t/>
+            </a:r>
+            <a:endParaRPr sz="2400">
+              <a:solidFill>
+                <a:schemeClr val="dk2"/>
+              </a:solidFill>
+            </a:endParaRPr>
+          </a:p>
+          <a:p>
+            <a:pPr indent="-381000" lvl="0" marL="457200" rtl="0" algn="l">
+              <a:lnSpc>
+                <a:spcPct val="115000"/>
+              </a:lnSpc>
+              <a:spcBef>
+                <a:spcPts val="0"/>
+              </a:spcBef>
+              <a:spcAft>
+                <a:spcPts val="0"/>
+              </a:spcAft>
+              <a:buClr>
+                <a:schemeClr val="dk2"/>
+              </a:buClr>
+              <a:buSzPts val="2400"/>
+              <a:buChar char="-"/>
+            </a:pPr>
+            <a:r>
+              <a:rPr lang="en-US" sz="2400">
+                <a:solidFill>
+                  <a:schemeClr val="dk2"/>
+                </a:solidFill>
+              </a:rPr>
+              <a:t>When the input size is so large it takes longer to sort the items than it has time to try random combinations to find a solution.</a:t>
+            </a:r>
+            <a:endParaRPr sz="2400">
+              <a:solidFill>
+                <a:schemeClr val="dk2"/>
+              </a:solidFill>
+            </a:endParaRPr>
+          </a:p>
+          <a:p>
+            <a:pPr indent="-349250" lvl="1" marL="914400" rtl="0" algn="l">
+              <a:lnSpc>
+                <a:spcPct val="115000"/>
+              </a:lnSpc>
+              <a:spcBef>
+                <a:spcPts val="0"/>
+              </a:spcBef>
+              <a:spcAft>
+                <a:spcPts val="0"/>
+              </a:spcAft>
+              <a:buClr>
+                <a:schemeClr val="dk2"/>
+              </a:buClr>
+              <a:buSzPts val="1900"/>
+              <a:buChar char="-"/>
+            </a:pPr>
+            <a:r>
+              <a:rPr lang="en-US" sz="1900">
+                <a:solidFill>
+                  <a:schemeClr val="dk2"/>
+                </a:solidFill>
+              </a:rPr>
+              <a:t>It needs to be able to try more combinations</a:t>
+            </a:r>
+            <a:endParaRPr sz="1900">
+              <a:solidFill>
+                <a:schemeClr val="dk2"/>
+              </a:solidFill>
+            </a:endParaRPr>
+          </a:p>
+          <a:p>
+            <a:pPr indent="0" lvl="0" marL="0" rtl="0" algn="l">
+              <a:lnSpc>
+                <a:spcPct val="115000"/>
+              </a:lnSpc>
+              <a:spcBef>
+                <a:spcPts val="0"/>
+              </a:spcBef>
+              <a:spcAft>
+                <a:spcPts val="0"/>
+              </a:spcAft>
+              <a:buClr>
+                <a:schemeClr val="dk1"/>
+              </a:buClr>
+              <a:buSzPts val="1100"/>
+              <a:buFont typeface="Arial"/>
+              <a:buNone/>
+            </a:pPr>
+            <a:r>
+              <a:t/>
+            </a:r>
+            <a:endParaRPr sz="2400">
+              <a:solidFill>
+                <a:schemeClr val="dk2"/>
+              </a:solidFill>
+            </a:endParaRPr>
+          </a:p>
+          <a:p>
+            <a:pPr indent="0" lvl="0" marL="609600" rtl="0" algn="l">
+              <a:lnSpc>
+                <a:spcPct val="115000"/>
+              </a:lnSpc>
+              <a:spcBef>
+                <a:spcPts val="1600"/>
+              </a:spcBef>
+              <a:spcAft>
+                <a:spcPts val="0"/>
+              </a:spcAft>
+              <a:buNone/>
+            </a:pPr>
+            <a:r>
+              <a:t/>
+            </a:r>
+            <a:endParaRPr sz="2400">
+              <a:solidFill>
+                <a:schemeClr val="dk2"/>
+              </a:solidFill>
+            </a:endParaRPr>
+          </a:p>
+        </p:txBody>
+      </p:sp>
+    </p:spTree>
+  </p:cSld>
+  <p:clrMapOvr>
+    <a:masterClrMapping/>
+  </p:clrMapOvr>
+</p:sld>
+</file>
+
+<file path=ppt/slides/slide16.xml><?xml version="1.0" encoding="utf-8"?>
+<p:sld xmlns:a="http://schemas.openxmlformats.org/drawingml/2006/main" xmlns:r="http://schemas.openxmlformats.org/officeDocument/2006/relationships" xmlns:mc="http://schemas.openxmlformats.org/markup-compatibility/2006" xmlns:mv="urn:schemas-microsoft-com:mac:vml" xmlns:p="http://schemas.openxmlformats.org/presentationml/2006/main" xmlns:c="http://schemas.openxmlformats.org/drawingml/2006/chart" xmlns:dgm="http://schemas.openxmlformats.org/drawingml/2006/diagram" xmlns:o="urn:schemas-microsoft-com:office:office" xmlns:v="urn:schemas-microsoft-com:vml" xmlns:pvml="urn:schemas-microsoft-com:office:powerpoint" xmlns:com="http://schemas.openxmlformats.org/drawingml/2006/compatibility" xmlns:p14="http://schemas.microsoft.com/office/powerpoint/2010/main" xmlns:p15="http://schemas.microsoft.com/office/powerpoint/2012/main" xmlns:ahyp="http://schemas.microsoft.com/office/drawing/2018/hyperlinkcolor">
+  <p:cSld>
+    <p:spTree>
+      <p:nvGrpSpPr>
+        <p:cNvPr id="238" name="Shape 238"/>
+        <p:cNvGrpSpPr/>
+        <p:nvPr/>
+      </p:nvGrpSpPr>
+      <p:grpSpPr>
+        <a:xfrm>
+          <a:off x="0" y="0"/>
+          <a:ext cx="0" cy="0"/>
+          <a:chOff x="0" y="0"/>
+          <a:chExt cx="0" cy="0"/>
+        </a:xfrm>
+      </p:grpSpPr>
+      <p:sp>
+        <p:nvSpPr>
+          <p:cNvPr id="239" name="Google Shape;239;p39"/>
+          <p:cNvSpPr txBox="1"/>
+          <p:nvPr/>
+        </p:nvSpPr>
+        <p:spPr>
+          <a:xfrm>
+            <a:off x="0" y="-19050"/>
+            <a:ext cx="12192000" cy="857400"/>
+          </a:xfrm>
+          <a:prstGeom prst="rect">
+            <a:avLst/>
+          </a:prstGeom>
+          <a:noFill/>
+          <a:ln>
+            <a:noFill/>
+          </a:ln>
+        </p:spPr>
+        <p:txBody>
+          <a:bodyPr anchorCtr="0" anchor="b" bIns="45700" lIns="91425" spcFirstLastPara="1" rIns="91425" wrap="square" tIns="45700">
+            <a:noAutofit/>
+          </a:bodyPr>
+          <a:lstStyle/>
+          <a:p>
+            <a:pPr indent="0" lvl="0" marL="0" marR="0" rtl="0" algn="l">
+              <a:lnSpc>
+                <a:spcPct val="90000"/>
+              </a:lnSpc>
+              <a:spcBef>
+                <a:spcPts val="0"/>
+              </a:spcBef>
+              <a:spcAft>
+                <a:spcPts val="0"/>
+              </a:spcAft>
+              <a:buClr>
+                <a:schemeClr val="dk1"/>
+              </a:buClr>
+              <a:buSzPts val="3600"/>
+              <a:buFont typeface="Calibri"/>
+              <a:buNone/>
+            </a:pPr>
+            <a:r>
+              <a:rPr lang="en-US" sz="3600">
+                <a:solidFill>
+                  <a:schemeClr val="dk1"/>
+                </a:solidFill>
+                <a:latin typeface="Calibri"/>
+                <a:ea typeface="Calibri"/>
+                <a:cs typeface="Calibri"/>
+                <a:sym typeface="Calibri"/>
+              </a:rPr>
+              <a:t>Accuracy</a:t>
+            </a:r>
+            <a:endParaRPr sz="3600">
+              <a:solidFill>
+                <a:schemeClr val="dk1"/>
+              </a:solidFill>
+              <a:latin typeface="Calibri"/>
+              <a:ea typeface="Calibri"/>
+              <a:cs typeface="Calibri"/>
+              <a:sym typeface="Calibri"/>
+            </a:endParaRPr>
+          </a:p>
+        </p:txBody>
+      </p:sp>
+      <p:cxnSp>
+        <p:nvCxnSpPr>
+          <p:cNvPr id="240" name="Google Shape;240;p39"/>
+          <p:cNvCxnSpPr/>
+          <p:nvPr/>
+        </p:nvCxnSpPr>
+        <p:spPr>
+          <a:xfrm>
+            <a:off x="0" y="838200"/>
+            <a:ext cx="12192000" cy="0"/>
+          </a:xfrm>
+          <a:prstGeom prst="straightConnector1">
+            <a:avLst/>
+          </a:prstGeom>
+          <a:noFill/>
+          <a:ln cap="flat" cmpd="sng" w="47625">
+            <a:solidFill>
+              <a:schemeClr val="accent1"/>
+            </a:solidFill>
+            <a:prstDash val="solid"/>
+            <a:miter lim="800000"/>
+            <a:headEnd len="sm" w="sm" type="none"/>
+            <a:tailEnd len="sm" w="sm" type="none"/>
+          </a:ln>
+        </p:spPr>
+      </p:cxnSp>
+      <p:sp>
+        <p:nvSpPr>
+          <p:cNvPr id="241" name="Google Shape;241;p39"/>
           <p:cNvSpPr txBox="1"/>
           <p:nvPr>
-            <p:ph idx="1" type="body"/>
+            <p:ph idx="12" type="sldNum"/>
           </p:nvPr>
         </p:nvSpPr>
         <p:spPr>
           <a:xfrm>
-            <a:off x="415600" y="1536633"/>
-            <a:ext cx="11360700" cy="4555200"/>
+            <a:off x="11400311" y="6356350"/>
+            <a:ext cx="625500" cy="365100"/>
           </a:xfrm>
           <a:prstGeom prst="rect">
             <a:avLst/>
           </a:prstGeom>
+          <a:noFill/>
+          <a:ln>
+            <a:noFill/>
+          </a:ln>
         </p:spPr>
         <p:txBody>
-          <a:bodyPr anchorCtr="0" anchor="t" bIns="121900" lIns="121900" spcFirstLastPara="1" rIns="121900" wrap="square" tIns="121900">
+          <a:bodyPr anchorCtr="0" anchor="ctr" bIns="45700" lIns="91425" spcFirstLastPara="1" rIns="91425" wrap="square" tIns="45700">
             <a:normAutofit/>
           </a:bodyPr>
           <a:lstStyle/>
           <a:p>
+            <a:pPr indent="0" lvl="0" marL="0" rtl="0" algn="r">
+              <a:lnSpc>
+                <a:spcPct val="100000"/>
+              </a:lnSpc>
+              <a:spcBef>
+                <a:spcPts val="0"/>
+              </a:spcBef>
+              <a:spcAft>
+                <a:spcPts val="0"/>
+              </a:spcAft>
+              <a:buSzPts val="1300"/>
+              <a:buNone/>
+            </a:pPr>
+            <a:fld id="{00000000-1234-1234-1234-123412341234}" type="slidenum">
+              <a:rPr lang="en-US">
+                <a:solidFill>
+                  <a:schemeClr val="dk2"/>
+                </a:solidFill>
+                <a:latin typeface="Arial"/>
+                <a:ea typeface="Arial"/>
+                <a:cs typeface="Arial"/>
+                <a:sym typeface="Arial"/>
+              </a:rPr>
+              <a:t>‹#›</a:t>
+            </a:fld>
+            <a:endParaRPr>
+              <a:solidFill>
+                <a:schemeClr val="dk2"/>
+              </a:solidFill>
+              <a:latin typeface="Arial"/>
+              <a:ea typeface="Arial"/>
+              <a:cs typeface="Arial"/>
+              <a:sym typeface="Arial"/>
+            </a:endParaRPr>
+          </a:p>
+        </p:txBody>
+      </p:sp>
+      <p:sp>
+        <p:nvSpPr>
+          <p:cNvPr id="242" name="Google Shape;242;p39"/>
+          <p:cNvSpPr txBox="1"/>
+          <p:nvPr/>
+        </p:nvSpPr>
+        <p:spPr>
+          <a:xfrm>
+            <a:off x="288425" y="1458100"/>
+            <a:ext cx="11112000" cy="3769500"/>
+          </a:xfrm>
+          <a:prstGeom prst="rect">
+            <a:avLst/>
+          </a:prstGeom>
+          <a:noFill/>
+          <a:ln>
+            <a:noFill/>
+          </a:ln>
+        </p:spPr>
+        <p:txBody>
+          <a:bodyPr anchorCtr="0" anchor="t" bIns="91425" lIns="91425" spcFirstLastPara="1" rIns="91425" wrap="square" tIns="91425">
+            <a:spAutoFit/>
+          </a:bodyPr>
+          <a:lstStyle/>
+          <a:p>
             <a:pPr indent="0" lvl="0" marL="0" rtl="0" algn="l">
+              <a:lnSpc>
+                <a:spcPct val="115000"/>
+              </a:lnSpc>
               <a:spcBef>
                 <a:spcPts val="0"/>
               </a:spcBef>
@@ -21225,82 +21786,204 @@
               <a:buNone/>
             </a:pPr>
             <a:r>
-              <a:rPr lang="en-US"/>
-              <a:t>Example when the </a:t>
+              <a:rPr b="1" lang="en-US" sz="2400">
+                <a:solidFill>
+                  <a:schemeClr val="dk2"/>
+                </a:solidFill>
+              </a:rPr>
+              <a:t>Based off Two Factors</a:t>
             </a:r>
-            <a:r>
-              <a:rPr lang="en-US"/>
-              <a:t>approximate</a:t>
-            </a:r>
-            <a:r>
-              <a:rPr lang="en-US"/>
-              <a:t> solution does not find the best answer:</a:t>
-            </a:r>
-            <a:endParaRPr/>
-          </a:p>
-          <a:p>
-            <a:pPr indent="0" lvl="0" marL="0" rtl="0" algn="l">
-              <a:spcBef>
-                <a:spcPts val="0"/>
-              </a:spcBef>
-              <a:spcAft>
-                <a:spcPts val="0"/>
-              </a:spcAft>
-              <a:buNone/>
-            </a:pPr>
-            <a:r>
-              <a:t/>
-            </a:r>
-            <a:endParaRPr/>
+            <a:endParaRPr b="1" sz="2400">
+              <a:solidFill>
+                <a:schemeClr val="dk2"/>
+              </a:solidFill>
+            </a:endParaRPr>
           </a:p>
           <a:p>
             <a:pPr indent="-381000" lvl="0" marL="457200" rtl="0" algn="l">
-              <a:spcBef>
-                <a:spcPts val="0"/>
-              </a:spcBef>
-              <a:spcAft>
-                <a:spcPts val="0"/>
-              </a:spcAft>
+              <a:lnSpc>
+                <a:spcPct val="115000"/>
+              </a:lnSpc>
+              <a:spcBef>
+                <a:spcPts val="0"/>
+              </a:spcBef>
+              <a:spcAft>
+                <a:spcPts val="0"/>
+              </a:spcAft>
+              <a:buClr>
+                <a:schemeClr val="dk2"/>
+              </a:buClr>
               <a:buSzPts val="2400"/>
               <a:buChar char="-"/>
             </a:pPr>
             <a:r>
-              <a:rPr lang="en-US"/>
-              <a:t>When the input size is so large it takes longer to sort the items than it has time to try random combinations to find a solution.</a:t>
+              <a:rPr lang="en-US" sz="2400">
+                <a:solidFill>
+                  <a:schemeClr val="dk2"/>
+                </a:solidFill>
+              </a:rPr>
+              <a:t>Time allowed</a:t>
             </a:r>
-            <a:endParaRPr/>
+            <a:endParaRPr sz="2400">
+              <a:solidFill>
+                <a:schemeClr val="dk2"/>
+              </a:solidFill>
+            </a:endParaRPr>
           </a:p>
           <a:p>
             <a:pPr indent="-349250" lvl="1" marL="914400" rtl="0" algn="l">
-              <a:spcBef>
-                <a:spcPts val="0"/>
-              </a:spcBef>
-              <a:spcAft>
-                <a:spcPts val="0"/>
-              </a:spcAft>
+              <a:lnSpc>
+                <a:spcPct val="115000"/>
+              </a:lnSpc>
+              <a:spcBef>
+                <a:spcPts val="0"/>
+              </a:spcBef>
+              <a:spcAft>
+                <a:spcPts val="0"/>
+              </a:spcAft>
+              <a:buClr>
+                <a:schemeClr val="dk2"/>
+              </a:buClr>
               <a:buSzPts val="1900"/>
               <a:buChar char="-"/>
             </a:pPr>
             <a:r>
-              <a:rPr lang="en-US"/>
-              <a:t>It needs to be able to try more combinations</a:t>
+              <a:rPr lang="en-US" sz="1900">
+                <a:solidFill>
+                  <a:schemeClr val="dk2"/>
+                </a:solidFill>
+              </a:rPr>
+              <a:t>The more time allowed to bigger inputs the more time it has to try different combinations and try to yield a more accurate approximation.</a:t>
             </a:r>
-            <a:endParaRPr/>
+            <a:endParaRPr sz="1900">
+              <a:solidFill>
+                <a:schemeClr val="dk2"/>
+              </a:solidFill>
+            </a:endParaRPr>
           </a:p>
           <a:p>
-            <a:pPr indent="0" lvl="0" marL="0" rtl="0" algn="l">
-              <a:spcBef>
-                <a:spcPts val="0"/>
-              </a:spcBef>
-              <a:spcAft>
-                <a:spcPts val="0"/>
-              </a:spcAft>
-              <a:buNone/>
+            <a:pPr indent="-349250" lvl="1" marL="914400" rtl="0" algn="l">
+              <a:lnSpc>
+                <a:spcPct val="115000"/>
+              </a:lnSpc>
+              <a:spcBef>
+                <a:spcPts val="0"/>
+              </a:spcBef>
+              <a:spcAft>
+                <a:spcPts val="0"/>
+              </a:spcAft>
+              <a:buClr>
+                <a:schemeClr val="dk2"/>
+              </a:buClr>
+              <a:buSzPts val="1900"/>
+              <a:buChar char="-"/>
             </a:pPr>
             <a:r>
-              <a:t/>
+              <a:rPr lang="en-US" sz="1900">
+                <a:solidFill>
+                  <a:schemeClr val="dk2"/>
+                </a:solidFill>
+              </a:rPr>
+              <a:t>The better the CPU will also affect accuracy for the given time limit since a CPU that can run instructions faster will be able to try more combinations in the set time.</a:t>
             </a:r>
-            <a:endParaRPr/>
+            <a:endParaRPr sz="1900">
+              <a:solidFill>
+                <a:schemeClr val="dk2"/>
+              </a:solidFill>
+            </a:endParaRPr>
+          </a:p>
+          <a:p>
+            <a:pPr indent="-381000" lvl="0" marL="457200" rtl="0" algn="l">
+              <a:lnSpc>
+                <a:spcPct val="115000"/>
+              </a:lnSpc>
+              <a:spcBef>
+                <a:spcPts val="0"/>
+              </a:spcBef>
+              <a:spcAft>
+                <a:spcPts val="0"/>
+              </a:spcAft>
+              <a:buClr>
+                <a:schemeClr val="dk2"/>
+              </a:buClr>
+              <a:buSzPts val="2400"/>
+              <a:buChar char="-"/>
+            </a:pPr>
+            <a:r>
+              <a:rPr lang="en-US" sz="2400">
+                <a:solidFill>
+                  <a:schemeClr val="dk2"/>
+                </a:solidFill>
+              </a:rPr>
+              <a:t>Margin for error</a:t>
+            </a:r>
+            <a:endParaRPr sz="2400">
+              <a:solidFill>
+                <a:schemeClr val="dk2"/>
+              </a:solidFill>
+            </a:endParaRPr>
+          </a:p>
+          <a:p>
+            <a:pPr indent="-349250" lvl="1" marL="914400" rtl="0" algn="l">
+              <a:lnSpc>
+                <a:spcPct val="115000"/>
+              </a:lnSpc>
+              <a:spcBef>
+                <a:spcPts val="0"/>
+              </a:spcBef>
+              <a:spcAft>
+                <a:spcPts val="0"/>
+              </a:spcAft>
+              <a:buClr>
+                <a:schemeClr val="dk2"/>
+              </a:buClr>
+              <a:buSzPts val="1900"/>
+              <a:buChar char="-"/>
+            </a:pPr>
+            <a:r>
+              <a:rPr lang="en-US" sz="1900">
+                <a:solidFill>
+                  <a:schemeClr val="dk2"/>
+                </a:solidFill>
+              </a:rPr>
+              <a:t>The lower the margin for error, the longer it will take to find a solution within that margin.</a:t>
+            </a:r>
+            <a:endParaRPr sz="1900">
+              <a:solidFill>
+                <a:schemeClr val="dk2"/>
+              </a:solidFill>
+            </a:endParaRPr>
+          </a:p>
+          <a:p>
+            <a:pPr indent="-349250" lvl="1" marL="914400" rtl="0" algn="l">
+              <a:lnSpc>
+                <a:spcPct val="115000"/>
+              </a:lnSpc>
+              <a:spcBef>
+                <a:spcPts val="0"/>
+              </a:spcBef>
+              <a:spcAft>
+                <a:spcPts val="0"/>
+              </a:spcAft>
+              <a:buClr>
+                <a:schemeClr val="dk2"/>
+              </a:buClr>
+              <a:buSzPts val="1900"/>
+              <a:buChar char="-"/>
+            </a:pPr>
+            <a:r>
+              <a:rPr lang="en-US" sz="1900">
+                <a:solidFill>
+                  <a:schemeClr val="dk2"/>
+                </a:solidFill>
+              </a:rPr>
+              <a:t>The higher the margin for error is will significantly reduce the runtime of any input size since it won't have to try as many combinations before finding an approximate solution.</a:t>
+            </a:r>
+            <a:endParaRPr sz="2400">
+              <a:solidFill>
+                <a:schemeClr val="dk2"/>
+              </a:solidFill>
+            </a:endParaRPr>
           </a:p>
         </p:txBody>
       </p:sp>
@@ -21317,7 +22000,7 @@
   <p:cSld>
     <p:spTree>
       <p:nvGrpSpPr>
-        <p:cNvPr id="237" name="Shape 237"/>
+        <p:cNvPr id="246" name="Shape 246"/>
         <p:cNvGrpSpPr/>
         <p:nvPr/>
       </p:nvGrpSpPr>
@@ -21329,211 +22012,34 @@
           <a:chExt cx="0" cy="0"/>
         </a:xfrm>
       </p:grpSpPr>
-      <p:sp>
-        <p:nvSpPr>
-          <p:cNvPr id="238" name="Google Shape;238;p40"/>
-          <p:cNvSpPr txBox="1"/>
-          <p:nvPr>
-            <p:ph type="title"/>
-          </p:nvPr>
-        </p:nvSpPr>
+      <p:pic>
+        <p:nvPicPr>
+          <p:cNvPr id="247" name="Google Shape;247;p40"/>
+          <p:cNvPicPr preferRelativeResize="0"/>
+          <p:nvPr/>
+        </p:nvPicPr>
+        <p:blipFill>
+          <a:blip r:embed="rId3">
+            <a:alphaModFix/>
+          </a:blip>
+          <a:stretch>
+            <a:fillRect/>
+          </a:stretch>
+        </p:blipFill>
         <p:spPr>
           <a:xfrm>
-            <a:off x="415600" y="593367"/>
-            <a:ext cx="11360700" cy="763500"/>
+            <a:off x="728650" y="247650"/>
+            <a:ext cx="10831950" cy="6356826"/>
           </a:xfrm>
           <a:prstGeom prst="rect">
             <a:avLst/>
           </a:prstGeom>
+          <a:noFill/>
+          <a:ln>
+            <a:noFill/>
+          </a:ln>
         </p:spPr>
-        <p:txBody>
-          <a:bodyPr anchorCtr="0" anchor="t" bIns="121900" lIns="121900" spcFirstLastPara="1" rIns="121900" wrap="square" tIns="121900">
-            <a:normAutofit fontScale="90000"/>
-          </a:bodyPr>
-          <a:lstStyle/>
-          <a:p>
-            <a:pPr indent="0" lvl="0" marL="0" rtl="0" algn="l">
-              <a:spcBef>
-                <a:spcPts val="0"/>
-              </a:spcBef>
-              <a:spcAft>
-                <a:spcPts val="0"/>
-              </a:spcAft>
-              <a:buNone/>
-            </a:pPr>
-            <a:r>
-              <a:rPr lang="en-US"/>
-              <a:t>Accuracy</a:t>
-            </a:r>
-            <a:endParaRPr/>
-          </a:p>
-        </p:txBody>
-      </p:sp>
-      <p:sp>
-        <p:nvSpPr>
-          <p:cNvPr id="239" name="Google Shape;239;p40"/>
-          <p:cNvSpPr txBox="1"/>
-          <p:nvPr>
-            <p:ph idx="1" type="body"/>
-          </p:nvPr>
-        </p:nvSpPr>
-        <p:spPr>
-          <a:xfrm>
-            <a:off x="415600" y="1536633"/>
-            <a:ext cx="11360700" cy="4555200"/>
-          </a:xfrm>
-          <a:prstGeom prst="rect">
-            <a:avLst/>
-          </a:prstGeom>
-        </p:spPr>
-        <p:txBody>
-          <a:bodyPr anchorCtr="0" anchor="t" bIns="121900" lIns="121900" spcFirstLastPara="1" rIns="121900" wrap="square" tIns="121900">
-            <a:normAutofit/>
-          </a:bodyPr>
-          <a:lstStyle/>
-          <a:p>
-            <a:pPr indent="0" lvl="0" marL="0" rtl="0" algn="l">
-              <a:spcBef>
-                <a:spcPts val="0"/>
-              </a:spcBef>
-              <a:spcAft>
-                <a:spcPts val="0"/>
-              </a:spcAft>
-              <a:buNone/>
-            </a:pPr>
-            <a:r>
-              <a:rPr b="1" lang="en-US"/>
-              <a:t>Based of Two Factors</a:t>
-            </a:r>
-            <a:endParaRPr b="1"/>
-          </a:p>
-          <a:p>
-            <a:pPr indent="-381000" lvl="0" marL="457200" rtl="0" algn="l">
-              <a:spcBef>
-                <a:spcPts val="0"/>
-              </a:spcBef>
-              <a:spcAft>
-                <a:spcPts val="0"/>
-              </a:spcAft>
-              <a:buSzPts val="2400"/>
-              <a:buChar char="-"/>
-            </a:pPr>
-            <a:r>
-              <a:rPr lang="en-US"/>
-              <a:t>Time allowed</a:t>
-            </a:r>
-            <a:endParaRPr/>
-          </a:p>
-          <a:p>
-            <a:pPr indent="-349250" lvl="1" marL="914400" rtl="0" algn="l">
-              <a:spcBef>
-                <a:spcPts val="0"/>
-              </a:spcBef>
-              <a:spcAft>
-                <a:spcPts val="0"/>
-              </a:spcAft>
-              <a:buSzPts val="1900"/>
-              <a:buChar char="-"/>
-            </a:pPr>
-            <a:r>
-              <a:rPr lang="en-US"/>
-              <a:t>The more time allowed to bigger inputs the more time it has to try </a:t>
-            </a:r>
-            <a:r>
-              <a:rPr lang="en-US"/>
-              <a:t>different</a:t>
-            </a:r>
-            <a:r>
-              <a:rPr lang="en-US"/>
-              <a:t> combinations and try to yield a more accurate approximation.</a:t>
-            </a:r>
-            <a:endParaRPr/>
-          </a:p>
-          <a:p>
-            <a:pPr indent="-349250" lvl="1" marL="914400" rtl="0" algn="l">
-              <a:spcBef>
-                <a:spcPts val="0"/>
-              </a:spcBef>
-              <a:spcAft>
-                <a:spcPts val="0"/>
-              </a:spcAft>
-              <a:buSzPts val="1900"/>
-              <a:buChar char="-"/>
-            </a:pPr>
-            <a:r>
-              <a:rPr lang="en-US"/>
-              <a:t>The better the CPU will also affect accuracy for the given time limit since a CPU that can run instructions faster will be able to try more combinations in the set time.</a:t>
-            </a:r>
-            <a:endParaRPr/>
-          </a:p>
-          <a:p>
-            <a:pPr indent="-381000" lvl="0" marL="457200" rtl="0" algn="l">
-              <a:spcBef>
-                <a:spcPts val="0"/>
-              </a:spcBef>
-              <a:spcAft>
-                <a:spcPts val="0"/>
-              </a:spcAft>
-              <a:buSzPts val="2400"/>
-              <a:buChar char="-"/>
-            </a:pPr>
-            <a:r>
-              <a:rPr lang="en-US"/>
-              <a:t>Margin for error</a:t>
-            </a:r>
-            <a:endParaRPr/>
-          </a:p>
-          <a:p>
-            <a:pPr indent="-349250" lvl="1" marL="914400" rtl="0" algn="l">
-              <a:spcBef>
-                <a:spcPts val="0"/>
-              </a:spcBef>
-              <a:spcAft>
-                <a:spcPts val="0"/>
-              </a:spcAft>
-              <a:buSzPts val="1900"/>
-              <a:buChar char="-"/>
-            </a:pPr>
-            <a:r>
-              <a:rPr lang="en-US"/>
-              <a:t>The lower the margin for error, the longer it will take to find a solution within that margin.</a:t>
-            </a:r>
-            <a:endParaRPr/>
-          </a:p>
-          <a:p>
-            <a:pPr indent="-349250" lvl="1" marL="914400" rtl="0" algn="l">
-              <a:spcBef>
-                <a:spcPts val="0"/>
-              </a:spcBef>
-              <a:spcAft>
-                <a:spcPts val="0"/>
-              </a:spcAft>
-              <a:buSzPts val="1900"/>
-              <a:buChar char="-"/>
-            </a:pPr>
-            <a:r>
-              <a:rPr lang="en-US"/>
-              <a:t>The higher the margin for error is will significantly reduce the runtime of any input size since it won't have to try as many combinations before finding an approximate solution.</a:t>
-            </a:r>
-            <a:endParaRPr/>
-          </a:p>
-          <a:p>
-            <a:pPr indent="0" lvl="0" marL="0" rtl="0" algn="l">
-              <a:spcBef>
-                <a:spcPts val="0"/>
-              </a:spcBef>
-              <a:spcAft>
-                <a:spcPts val="0"/>
-              </a:spcAft>
-              <a:buNone/>
-            </a:pPr>
-            <a:r>
-              <a:t/>
-            </a:r>
-            <a:endParaRPr/>
-          </a:p>
-        </p:txBody>
-      </p:sp>
+      </p:pic>
     </p:spTree>
   </p:cSld>
   <p:clrMapOvr>
@@ -21547,7 +22053,7 @@
   <p:cSld>
     <p:spTree>
       <p:nvGrpSpPr>
-        <p:cNvPr id="243" name="Shape 243"/>
+        <p:cNvPr id="251" name="Shape 251"/>
         <p:cNvGrpSpPr/>
         <p:nvPr/>
       </p:nvGrpSpPr>
@@ -21561,7 +22067,7 @@
       </p:grpSpPr>
       <p:pic>
         <p:nvPicPr>
-          <p:cNvPr id="244" name="Google Shape;244;p41"/>
+          <p:cNvPr id="252" name="Google Shape;252;p41"/>
           <p:cNvPicPr preferRelativeResize="0"/>
           <p:nvPr/>
         </p:nvPicPr>
@@ -21575,8 +22081,8 @@
         </p:blipFill>
         <p:spPr>
           <a:xfrm>
-            <a:off x="871538" y="352425"/>
-            <a:ext cx="10448925" cy="6153150"/>
+            <a:off x="476250" y="120350"/>
+            <a:ext cx="11239500" cy="6391275"/>
           </a:xfrm>
           <a:prstGeom prst="rect">
             <a:avLst/>
@@ -21600,7 +22106,7 @@
   <p:cSld>
     <p:spTree>
       <p:nvGrpSpPr>
-        <p:cNvPr id="248" name="Shape 248"/>
+        <p:cNvPr id="256" name="Shape 256"/>
         <p:cNvGrpSpPr/>
         <p:nvPr/>
       </p:nvGrpSpPr>
@@ -21614,7 +22120,7 @@
       </p:grpSpPr>
       <p:pic>
         <p:nvPicPr>
-          <p:cNvPr id="249" name="Google Shape;249;p42"/>
+          <p:cNvPr id="257" name="Google Shape;257;p42"/>
           <p:cNvPicPr preferRelativeResize="0"/>
           <p:nvPr/>
         </p:nvPicPr>
@@ -21628,8 +22134,8 @@
         </p:blipFill>
         <p:spPr>
           <a:xfrm>
-            <a:off x="1100138" y="293800"/>
-            <a:ext cx="9991725" cy="6153150"/>
+            <a:off x="804863" y="104325"/>
+            <a:ext cx="10582275" cy="6391275"/>
           </a:xfrm>
           <a:prstGeom prst="rect">
             <a:avLst/>
@@ -22082,59 +22588,6 @@
           <a:xfrm>
             <a:off x="3179999" y="3367623"/>
             <a:ext cx="5619400" cy="3160926"/>
-          </a:xfrm>
-          <a:prstGeom prst="rect">
-            <a:avLst/>
-          </a:prstGeom>
-          <a:noFill/>
-          <a:ln>
-            <a:noFill/>
-          </a:ln>
-        </p:spPr>
-      </p:pic>
-    </p:spTree>
-  </p:cSld>
-  <p:clrMapOvr>
-    <a:masterClrMapping/>
-  </p:clrMapOvr>
-</p:sld>
-</file>
-
-<file path=ppt/slides/slide20.xml><?xml version="1.0" encoding="utf-8"?>
-<p:sld xmlns:a="http://schemas.openxmlformats.org/drawingml/2006/main" xmlns:r="http://schemas.openxmlformats.org/officeDocument/2006/relationships" xmlns:mc="http://schemas.openxmlformats.org/markup-compatibility/2006" xmlns:mv="urn:schemas-microsoft-com:mac:vml" xmlns:p="http://schemas.openxmlformats.org/presentationml/2006/main" xmlns:c="http://schemas.openxmlformats.org/drawingml/2006/chart" xmlns:dgm="http://schemas.openxmlformats.org/drawingml/2006/diagram" xmlns:o="urn:schemas-microsoft-com:office:office" xmlns:v="urn:schemas-microsoft-com:vml" xmlns:pvml="urn:schemas-microsoft-com:office:powerpoint" xmlns:com="http://schemas.openxmlformats.org/drawingml/2006/compatibility" xmlns:p14="http://schemas.microsoft.com/office/powerpoint/2010/main" xmlns:p15="http://schemas.microsoft.com/office/powerpoint/2012/main" xmlns:ahyp="http://schemas.microsoft.com/office/drawing/2018/hyperlinkcolor">
-  <p:cSld>
-    <p:spTree>
-      <p:nvGrpSpPr>
-        <p:cNvPr id="253" name="Shape 253"/>
-        <p:cNvGrpSpPr/>
-        <p:nvPr/>
-      </p:nvGrpSpPr>
-      <p:grpSpPr>
-        <a:xfrm>
-          <a:off x="0" y="0"/>
-          <a:ext cx="0" cy="0"/>
-          <a:chOff x="0" y="0"/>
-          <a:chExt cx="0" cy="0"/>
-        </a:xfrm>
-      </p:grpSpPr>
-      <p:pic>
-        <p:nvPicPr>
-          <p:cNvPr id="254" name="Google Shape;254;p43"/>
-          <p:cNvPicPr preferRelativeResize="0"/>
-          <p:nvPr/>
-        </p:nvPicPr>
-        <p:blipFill>
-          <a:blip r:embed="rId3">
-            <a:alphaModFix/>
-          </a:blip>
-          <a:stretch>
-            <a:fillRect/>
-          </a:stretch>
-        </p:blipFill>
-        <p:spPr>
-          <a:xfrm>
-            <a:off x="152400" y="152400"/>
-            <a:ext cx="11660701" cy="6553200"/>
           </a:xfrm>
           <a:prstGeom prst="rect">
             <a:avLst/>
@@ -23693,44 +24146,16 @@
           </a:ln>
         </p:spPr>
       </p:pic>
-      <p:pic>
-        <p:nvPicPr>
-          <p:cNvPr id="143" name="Google Shape;143;p29"/>
-          <p:cNvPicPr preferRelativeResize="0"/>
-          <p:nvPr/>
-        </p:nvPicPr>
-        <p:blipFill>
-          <a:blip r:embed="rId5">
-            <a:alphaModFix/>
-          </a:blip>
-          <a:stretch>
-            <a:fillRect/>
-          </a:stretch>
-        </p:blipFill>
-        <p:spPr>
-          <a:xfrm>
-            <a:off x="2900478" y="1355889"/>
-            <a:ext cx="6391046" cy="467638"/>
-          </a:xfrm>
-          <a:prstGeom prst="rect">
-            <a:avLst/>
-          </a:prstGeom>
-          <a:noFill/>
-          <a:ln>
-            <a:noFill/>
-          </a:ln>
-        </p:spPr>
-      </p:pic>
       <p:sp>
         <p:nvSpPr>
-          <p:cNvPr id="144" name="Google Shape;144;p29"/>
+          <p:cNvPr id="143" name="Google Shape;143;p29"/>
           <p:cNvSpPr txBox="1"/>
           <p:nvPr/>
         </p:nvSpPr>
         <p:spPr>
           <a:xfrm>
             <a:off x="3200550" y="1977263"/>
-            <a:ext cx="5790900" cy="831300"/>
+            <a:ext cx="5790900" cy="1169700"/>
           </a:xfrm>
           <a:prstGeom prst="rect">
             <a:avLst/>
@@ -23756,17 +24181,45 @@
               <a:buNone/>
             </a:pPr>
             <a:r>
-              <a:rPr lang="en-US"/>
+              <a:rPr lang="en-US" sz="1600"/>
               <a:t>T</a:t>
             </a:r>
             <a:r>
-              <a:rPr lang="en-US"/>
+              <a:rPr lang="en-US" sz="1600"/>
               <a:t>o check if the total weight is less than or equal to the capacity and if the corresponding profit is maximized. It takes only linear time to add the weights and profits of all the goods to find the true/false result.</a:t>
             </a:r>
-            <a:endParaRPr/>
+            <a:endParaRPr sz="1600"/>
           </a:p>
         </p:txBody>
       </p:sp>
+      <p:pic>
+        <p:nvPicPr>
+          <p:cNvPr id="144" name="Google Shape;144;p29"/>
+          <p:cNvPicPr preferRelativeResize="0"/>
+          <p:nvPr/>
+        </p:nvPicPr>
+        <p:blipFill>
+          <a:blip r:embed="rId5">
+            <a:alphaModFix/>
+          </a:blip>
+          <a:stretch>
+            <a:fillRect/>
+          </a:stretch>
+        </p:blipFill>
+        <p:spPr>
+          <a:xfrm>
+            <a:off x="912200" y="4826937"/>
+            <a:ext cx="4873306" cy="542925"/>
+          </a:xfrm>
+          <a:prstGeom prst="rect">
+            <a:avLst/>
+          </a:prstGeom>
+          <a:noFill/>
+          <a:ln>
+            <a:noFill/>
+          </a:ln>
+        </p:spPr>
+      </p:pic>
       <p:pic>
         <p:nvPicPr>
           <p:cNvPr id="145" name="Google Shape;145;p29"/>
@@ -23783,8 +24236,8 @@
         </p:blipFill>
         <p:spPr>
           <a:xfrm>
-            <a:off x="912200" y="4826937"/>
-            <a:ext cx="4873306" cy="542925"/>
+            <a:off x="912200" y="5467500"/>
+            <a:ext cx="5047051" cy="542925"/>
           </a:xfrm>
           <a:prstGeom prst="rect">
             <a:avLst/>
@@ -23811,8 +24264,8 @@
         </p:blipFill>
         <p:spPr>
           <a:xfrm>
-            <a:off x="912200" y="5467500"/>
-            <a:ext cx="5047051" cy="542925"/>
+            <a:off x="410175" y="4889522"/>
+            <a:ext cx="295194" cy="942350"/>
           </a:xfrm>
           <a:prstGeom prst="rect">
             <a:avLst/>
@@ -23839,8 +24292,8 @@
         </p:blipFill>
         <p:spPr>
           <a:xfrm>
-            <a:off x="410175" y="4889522"/>
-            <a:ext cx="295194" cy="942350"/>
+            <a:off x="6166084" y="4963721"/>
+            <a:ext cx="5466842" cy="1046700"/>
           </a:xfrm>
           <a:prstGeom prst="rect">
             <a:avLst/>
@@ -23867,8 +24320,8 @@
         </p:blipFill>
         <p:spPr>
           <a:xfrm>
-            <a:off x="6166084" y="4963721"/>
-            <a:ext cx="5466842" cy="1046700"/>
+            <a:off x="809450" y="3896173"/>
+            <a:ext cx="1699732" cy="225325"/>
           </a:xfrm>
           <a:prstGeom prst="rect">
             <a:avLst/>
@@ -23895,8 +24348,8 @@
         </p:blipFill>
         <p:spPr>
           <a:xfrm>
-            <a:off x="809450" y="3896173"/>
-            <a:ext cx="1699732" cy="225325"/>
+            <a:off x="809438" y="4258800"/>
+            <a:ext cx="4372415" cy="225325"/>
           </a:xfrm>
           <a:prstGeom prst="rect">
             <a:avLst/>
@@ -23914,7 +24367,7 @@
           <p:nvPr/>
         </p:nvPicPr>
         <p:blipFill>
-          <a:blip r:embed="rId11">
+          <a:blip r:embed="rId7">
             <a:alphaModFix/>
           </a:blip>
           <a:stretch>
@@ -23923,8 +24376,8 @@
         </p:blipFill>
         <p:spPr>
           <a:xfrm>
-            <a:off x="809438" y="4258800"/>
-            <a:ext cx="4372415" cy="225325"/>
+            <a:off x="410175" y="3698097"/>
+            <a:ext cx="295194" cy="942350"/>
           </a:xfrm>
           <a:prstGeom prst="rect">
             <a:avLst/>
@@ -23942,7 +24395,7 @@
           <p:nvPr/>
         </p:nvPicPr>
         <p:blipFill>
-          <a:blip r:embed="rId8">
+          <a:blip r:embed="rId11">
             <a:alphaModFix/>
           </a:blip>
           <a:stretch>
@@ -23951,8 +24404,8 @@
         </p:blipFill>
         <p:spPr>
           <a:xfrm>
-            <a:off x="410175" y="3698097"/>
-            <a:ext cx="295194" cy="942350"/>
+            <a:off x="8179300" y="3410512"/>
+            <a:ext cx="2841869" cy="542925"/>
           </a:xfrm>
           <a:prstGeom prst="rect">
             <a:avLst/>
@@ -23979,8 +24432,8 @@
         </p:blipFill>
         <p:spPr>
           <a:xfrm>
-            <a:off x="8179300" y="3410512"/>
-            <a:ext cx="2841869" cy="542925"/>
+            <a:off x="8628912" y="4227569"/>
+            <a:ext cx="1699725" cy="285355"/>
           </a:xfrm>
           <a:prstGeom prst="rect">
             <a:avLst/>
@@ -24007,8 +24460,8 @@
         </p:blipFill>
         <p:spPr>
           <a:xfrm>
-            <a:off x="8628912" y="4227569"/>
-            <a:ext cx="1699725" cy="285355"/>
+            <a:off x="1450300" y="1310525"/>
+            <a:ext cx="8724900" cy="666750"/>
           </a:xfrm>
           <a:prstGeom prst="rect">
             <a:avLst/>
@@ -26670,6 +27123,285 @@
 </file>
 
 <file path=ppt/theme/theme2.xml><?xml version="1.0" encoding="utf-8"?>
+<a:theme xmlns:a="http://schemas.openxmlformats.org/drawingml/2006/main" xmlns:r="http://schemas.openxmlformats.org/officeDocument/2006/relationships">
+  <a:themeElements>
+    <a:clrScheme name="Default">
+      <a:dk1>
+        <a:srgbClr val="000000"/>
+      </a:dk1>
+      <a:lt1>
+        <a:srgbClr val="FFFFFF"/>
+      </a:lt1>
+      <a:dk2>
+        <a:srgbClr val="158158"/>
+      </a:dk2>
+      <a:lt2>
+        <a:srgbClr val="F3F3F3"/>
+      </a:lt2>
+      <a:accent1>
+        <a:srgbClr val="058DC7"/>
+      </a:accent1>
+      <a:accent2>
+        <a:srgbClr val="50B432"/>
+      </a:accent2>
+      <a:accent3>
+        <a:srgbClr val="ED561B"/>
+      </a:accent3>
+      <a:accent4>
+        <a:srgbClr val="EDEF00"/>
+      </a:accent4>
+      <a:accent5>
+        <a:srgbClr val="24CBE5"/>
+      </a:accent5>
+      <a:accent6>
+        <a:srgbClr val="64E572"/>
+      </a:accent6>
+      <a:hlink>
+        <a:srgbClr val="2200CC"/>
+      </a:hlink>
+      <a:folHlink>
+        <a:srgbClr val="551A8B"/>
+      </a:folHlink>
+    </a:clrScheme>
+    <a:fontScheme name="Office">
+      <a:majorFont>
+        <a:latin typeface="Arial"/>
+        <a:ea typeface=""/>
+        <a:cs typeface=""/>
+        <a:font script="Jpan" typeface="ＭＳ Ｐゴシック"/>
+        <a:font script="Hang" typeface="맑은 고딕"/>
+        <a:font script="Hans" typeface="宋体"/>
+        <a:font script="Hant" typeface="新細明體"/>
+        <a:font script="Arab" typeface="Times New Roman"/>
+        <a:font script="Hebr" typeface="Times New Roman"/>
+        <a:font script="Thai" typeface="Angsana New"/>
+        <a:font script="Ethi" typeface="Nyala"/>
+        <a:font script="Beng" typeface="Vrinda"/>
+        <a:font script="Gujr" typeface="Shruti"/>
+        <a:font script="Khmr" typeface="MoolBoran"/>
+        <a:font script="Knda" typeface="Tunga"/>
+        <a:font script="Guru" typeface="Raavi"/>
+        <a:font script="Cans" typeface="Euphemia"/>
+        <a:font script="Cher" typeface="Plantagenet Cherokee"/>
+        <a:font script="Yiii" typeface="Microsoft Yi Baiti"/>
+        <a:font script="Tibt" typeface="Microsoft Himalaya"/>
+        <a:font script="Thaa" typeface="MV Boli"/>
+        <a:font script="Deva" typeface="Mangal"/>
+        <a:font script="Telu" typeface="Gautami"/>
+        <a:font script="Taml" typeface="Latha"/>
+        <a:font script="Syrc" typeface="Estrangelo Edessa"/>
+        <a:font script="Orya" typeface="Kalinga"/>
+        <a:font script="Mlym" typeface="Kartika"/>
+        <a:font script="Laoo" typeface="DokChampa"/>
+        <a:font script="Sinh" typeface="Iskoola Pota"/>
+        <a:font script="Mong" typeface="Mongolian Baiti"/>
+        <a:font script="Viet" typeface="Times New Roman"/>
+        <a:font script="Uigh" typeface="Microsoft Uighur"/>
+        <a:font script="Geor" typeface="Sylfaen"/>
+      </a:majorFont>
+      <a:minorFont>
+        <a:latin typeface="Arial"/>
+        <a:ea typeface=""/>
+        <a:cs typeface=""/>
+        <a:font script="Jpan" typeface="ＭＳ Ｐゴシック"/>
+        <a:font script="Hang" typeface="맑은 고딕"/>
+        <a:font script="Hans" typeface="宋体"/>
+        <a:font script="Hant" typeface="新細明體"/>
+        <a:font script="Arab" typeface="Arial"/>
+        <a:font script="Hebr" typeface="Arial"/>
+        <a:font script="Thai" typeface="Cordia New"/>
+        <a:font script="Ethi" typeface="Nyala"/>
+        <a:font script="Beng" typeface="Vrinda"/>
+        <a:font script="Gujr" typeface="Shruti"/>
+        <a:font script="Khmr" typeface="DaunPenh"/>
+        <a:font script="Knda" typeface="Tunga"/>
+        <a:font script="Guru" typeface="Raavi"/>
+        <a:font script="Cans" typeface="Euphemia"/>
+        <a:font script="Cher" typeface="Plantagenet Cherokee"/>
+        <a:font script="Yiii" typeface="Microsoft Yi Baiti"/>
+        <a:font script="Tibt" typeface="Microsoft Himalaya"/>
+        <a:font script="Thaa" typeface="MV Boli"/>
+        <a:font script="Deva" typeface="Mangal"/>
+        <a:font script="Telu" typeface="Gautami"/>
+        <a:font script="Taml" typeface="Latha"/>
+        <a:font script="Syrc" typeface="Estrangelo Edessa"/>
+        <a:font script="Orya" typeface="Kalinga"/>
+        <a:font script="Mlym" typeface="Kartika"/>
+        <a:font script="Laoo" typeface="DokChampa"/>
+        <a:font script="Sinh" typeface="Iskoola Pota"/>
+        <a:font script="Mong" typeface="Mongolian Baiti"/>
+        <a:font script="Viet" typeface="Arial"/>
+        <a:font script="Uigh" typeface="Microsoft Uighur"/>
+        <a:font script="Geor" typeface="Sylfaen"/>
+      </a:minorFont>
+    </a:fontScheme>
+    <a:fmtScheme name="Office">
+      <a:fillStyleLst>
+        <a:solidFill>
+          <a:schemeClr val="phClr"/>
+        </a:solidFill>
+        <a:gradFill rotWithShape="1">
+          <a:gsLst>
+            <a:gs pos="0">
+              <a:schemeClr val="phClr">
+                <a:tint val="50000"/>
+                <a:satMod val="300000"/>
+              </a:schemeClr>
+            </a:gs>
+            <a:gs pos="35000">
+              <a:schemeClr val="phClr">
+                <a:tint val="37000"/>
+                <a:satMod val="300000"/>
+              </a:schemeClr>
+            </a:gs>
+            <a:gs pos="100000">
+              <a:schemeClr val="phClr">
+                <a:tint val="15000"/>
+                <a:satMod val="350000"/>
+              </a:schemeClr>
+            </a:gs>
+          </a:gsLst>
+          <a:lin ang="16200000" scaled="1"/>
+        </a:gradFill>
+        <a:gradFill rotWithShape="1">
+          <a:gsLst>
+            <a:gs pos="0">
+              <a:schemeClr val="phClr">
+                <a:tint val="100000"/>
+                <a:shade val="100000"/>
+                <a:satMod val="130000"/>
+              </a:schemeClr>
+            </a:gs>
+            <a:gs pos="100000">
+              <a:schemeClr val="phClr">
+                <a:tint val="50000"/>
+                <a:shade val="100000"/>
+                <a:satMod val="350000"/>
+              </a:schemeClr>
+            </a:gs>
+          </a:gsLst>
+          <a:lin ang="16200000" scaled="0"/>
+        </a:gradFill>
+      </a:fillStyleLst>
+      <a:lnStyleLst>
+        <a:ln w="9525" cap="flat" cmpd="sng" algn="ctr">
+          <a:solidFill>
+            <a:schemeClr val="phClr">
+              <a:shade val="95000"/>
+              <a:satMod val="105000"/>
+            </a:schemeClr>
+          </a:solidFill>
+          <a:prstDash val="solid"/>
+        </a:ln>
+        <a:ln w="25400" cap="flat" cmpd="sng" algn="ctr">
+          <a:solidFill>
+            <a:schemeClr val="phClr"/>
+          </a:solidFill>
+          <a:prstDash val="solid"/>
+        </a:ln>
+        <a:ln w="38100" cap="flat" cmpd="sng" algn="ctr">
+          <a:solidFill>
+            <a:schemeClr val="phClr"/>
+          </a:solidFill>
+          <a:prstDash val="solid"/>
+        </a:ln>
+      </a:lnStyleLst>
+      <a:effectStyleLst>
+        <a:effectStyle>
+          <a:effectLst>
+            <a:outerShdw blurRad="40000" dist="20000" dir="5400000" rotWithShape="0">
+              <a:srgbClr val="000000">
+                <a:alpha val="38000"/>
+              </a:srgbClr>
+            </a:outerShdw>
+          </a:effectLst>
+        </a:effectStyle>
+        <a:effectStyle>
+          <a:effectLst>
+            <a:outerShdw blurRad="40000" dist="23000" dir="5400000" rotWithShape="0">
+              <a:srgbClr val="000000">
+                <a:alpha val="35000"/>
+              </a:srgbClr>
+            </a:outerShdw>
+          </a:effectLst>
+        </a:effectStyle>
+        <a:effectStyle>
+          <a:effectLst>
+            <a:outerShdw blurRad="40000" dist="23000" dir="5400000" rotWithShape="0">
+              <a:srgbClr val="000000">
+                <a:alpha val="35000"/>
+              </a:srgbClr>
+            </a:outerShdw>
+          </a:effectLst>
+          <a:scene3d>
+            <a:camera prst="orthographicFront">
+              <a:rot lat="0" lon="0" rev="0"/>
+            </a:camera>
+            <a:lightRig rig="threePt" dir="t">
+              <a:rot lat="0" lon="0" rev="1200000"/>
+            </a:lightRig>
+          </a:scene3d>
+          <a:sp3d>
+            <a:bevelT w="63500" h="25400"/>
+          </a:sp3d>
+        </a:effectStyle>
+      </a:effectStyleLst>
+      <a:bgFillStyleLst>
+        <a:solidFill>
+          <a:schemeClr val="phClr"/>
+        </a:solidFill>
+        <a:gradFill rotWithShape="1">
+          <a:gsLst>
+            <a:gs pos="0">
+              <a:schemeClr val="phClr">
+                <a:tint val="40000"/>
+                <a:satMod val="350000"/>
+              </a:schemeClr>
+            </a:gs>
+            <a:gs pos="40000">
+              <a:schemeClr val="phClr">
+                <a:tint val="45000"/>
+                <a:shade val="99000"/>
+                <a:satMod val="350000"/>
+              </a:schemeClr>
+            </a:gs>
+            <a:gs pos="100000">
+              <a:schemeClr val="phClr">
+                <a:shade val="20000"/>
+                <a:satMod val="255000"/>
+              </a:schemeClr>
+            </a:gs>
+          </a:gsLst>
+          <a:path path="circle">
+            <a:fillToRect l="50000" t="-80000" r="50000" b="180000"/>
+          </a:path>
+        </a:gradFill>
+        <a:gradFill rotWithShape="1">
+          <a:gsLst>
+            <a:gs pos="0">
+              <a:schemeClr val="phClr">
+                <a:tint val="80000"/>
+                <a:satMod val="300000"/>
+              </a:schemeClr>
+            </a:gs>
+            <a:gs pos="100000">
+              <a:schemeClr val="phClr">
+                <a:shade val="30000"/>
+                <a:satMod val="200000"/>
+              </a:schemeClr>
+            </a:gs>
+          </a:gsLst>
+          <a:path path="circle">
+            <a:fillToRect l="50000" t="50000" r="50000" b="50000"/>
+          </a:path>
+        </a:gradFill>
+      </a:bgFillStyleLst>
+    </a:fmtScheme>
+  </a:themeElements>
+</a:theme>
+</file>
+
+<file path=ppt/theme/theme3.xml><?xml version="1.0" encoding="utf-8"?>
 <a:theme xmlns:a="http://schemas.openxmlformats.org/drawingml/2006/main" xmlns:r="http://schemas.openxmlformats.org/officeDocument/2006/relationships" name="Simple Light">
   <a:themeElements>
     <a:clrScheme name="Simple Light">
@@ -26946,283 +27678,4 @@
     </a:fmtScheme>
   </a:themeElements>
 </a:theme>
-</file>
-
-<file path=ppt/theme/theme3.xml><?xml version="1.0" encoding="utf-8"?>
-<a:theme xmlns:a="http://schemas.openxmlformats.org/drawingml/2006/main" xmlns:r="http://schemas.openxmlformats.org/officeDocument/2006/relationships">
-  <a:themeElements>
-    <a:clrScheme name="Default">
-      <a:dk1>
-        <a:srgbClr val="000000"/>
-      </a:dk1>
-      <a:lt1>
-        <a:srgbClr val="FFFFFF"/>
-      </a:lt1>
-      <a:dk2>
-        <a:srgbClr val="158158"/>
-      </a:dk2>
-      <a:lt2>
-        <a:srgbClr val="F3F3F3"/>
-      </a:lt2>
-      <a:accent1>
-        <a:srgbClr val="058DC7"/>
-      </a:accent1>
-      <a:accent2>
-        <a:srgbClr val="50B432"/>
-      </a:accent2>
-      <a:accent3>
-        <a:srgbClr val="ED561B"/>
-      </a:accent3>
-      <a:accent4>
-        <a:srgbClr val="EDEF00"/>
-      </a:accent4>
-      <a:accent5>
-        <a:srgbClr val="24CBE5"/>
-      </a:accent5>
-      <a:accent6>
-        <a:srgbClr val="64E572"/>
-      </a:accent6>
-      <a:hlink>
-        <a:srgbClr val="2200CC"/>
-      </a:hlink>
-      <a:folHlink>
-        <a:srgbClr val="551A8B"/>
-      </a:folHlink>
-    </a:clrScheme>
-    <a:fontScheme name="Office">
-      <a:majorFont>
-        <a:latin typeface="Arial"/>
-        <a:ea typeface=""/>
-        <a:cs typeface=""/>
-        <a:font script="Jpan" typeface="ＭＳ Ｐゴシック"/>
-        <a:font script="Hang" typeface="맑은 고딕"/>
-        <a:font script="Hans" typeface="宋体"/>
-        <a:font script="Hant" typeface="新細明體"/>
-        <a:font script="Arab" typeface="Times New Roman"/>
-        <a:font script="Hebr" typeface="Times New Roman"/>
-        <a:font script="Thai" typeface="Angsana New"/>
-        <a:font script="Ethi" typeface="Nyala"/>
-        <a:font script="Beng" typeface="Vrinda"/>
-        <a:font script="Gujr" typeface="Shruti"/>
-        <a:font script="Khmr" typeface="MoolBoran"/>
-        <a:font script="Knda" typeface="Tunga"/>
-        <a:font script="Guru" typeface="Raavi"/>
-        <a:font script="Cans" typeface="Euphemia"/>
-        <a:font script="Cher" typeface="Plantagenet Cherokee"/>
-        <a:font script="Yiii" typeface="Microsoft Yi Baiti"/>
-        <a:font script="Tibt" typeface="Microsoft Himalaya"/>
-        <a:font script="Thaa" typeface="MV Boli"/>
-        <a:font script="Deva" typeface="Mangal"/>
-        <a:font script="Telu" typeface="Gautami"/>
-        <a:font script="Taml" typeface="Latha"/>
-        <a:font script="Syrc" typeface="Estrangelo Edessa"/>
-        <a:font script="Orya" typeface="Kalinga"/>
-        <a:font script="Mlym" typeface="Kartika"/>
-        <a:font script="Laoo" typeface="DokChampa"/>
-        <a:font script="Sinh" typeface="Iskoola Pota"/>
-        <a:font script="Mong" typeface="Mongolian Baiti"/>
-        <a:font script="Viet" typeface="Times New Roman"/>
-        <a:font script="Uigh" typeface="Microsoft Uighur"/>
-        <a:font script="Geor" typeface="Sylfaen"/>
-      </a:majorFont>
-      <a:minorFont>
-        <a:latin typeface="Arial"/>
-        <a:ea typeface=""/>
-        <a:cs typeface=""/>
-        <a:font script="Jpan" typeface="ＭＳ Ｐゴシック"/>
-        <a:font script="Hang" typeface="맑은 고딕"/>
-        <a:font script="Hans" typeface="宋体"/>
-        <a:font script="Hant" typeface="新細明體"/>
-        <a:font script="Arab" typeface="Arial"/>
-        <a:font script="Hebr" typeface="Arial"/>
-        <a:font script="Thai" typeface="Cordia New"/>
-        <a:font script="Ethi" typeface="Nyala"/>
-        <a:font script="Beng" typeface="Vrinda"/>
-        <a:font script="Gujr" typeface="Shruti"/>
-        <a:font script="Khmr" typeface="DaunPenh"/>
-        <a:font script="Knda" typeface="Tunga"/>
-        <a:font script="Guru" typeface="Raavi"/>
-        <a:font script="Cans" typeface="Euphemia"/>
-        <a:font script="Cher" typeface="Plantagenet Cherokee"/>
-        <a:font script="Yiii" typeface="Microsoft Yi Baiti"/>
-        <a:font script="Tibt" typeface="Microsoft Himalaya"/>
-        <a:font script="Thaa" typeface="MV Boli"/>
-        <a:font script="Deva" typeface="Mangal"/>
-        <a:font script="Telu" typeface="Gautami"/>
-        <a:font script="Taml" typeface="Latha"/>
-        <a:font script="Syrc" typeface="Estrangelo Edessa"/>
-        <a:font script="Orya" typeface="Kalinga"/>
-        <a:font script="Mlym" typeface="Kartika"/>
-        <a:font script="Laoo" typeface="DokChampa"/>
-        <a:font script="Sinh" typeface="Iskoola Pota"/>
-        <a:font script="Mong" typeface="Mongolian Baiti"/>
-        <a:font script="Viet" typeface="Arial"/>
-        <a:font script="Uigh" typeface="Microsoft Uighur"/>
-        <a:font script="Geor" typeface="Sylfaen"/>
-      </a:minorFont>
-    </a:fontScheme>
-    <a:fmtScheme name="Office">
-      <a:fillStyleLst>
-        <a:solidFill>
-          <a:schemeClr val="phClr"/>
-        </a:solidFill>
-        <a:gradFill rotWithShape="1">
-          <a:gsLst>
-            <a:gs pos="0">
-              <a:schemeClr val="phClr">
-                <a:tint val="50000"/>
-                <a:satMod val="300000"/>
-              </a:schemeClr>
-            </a:gs>
-            <a:gs pos="35000">
-              <a:schemeClr val="phClr">
-                <a:tint val="37000"/>
-                <a:satMod val="300000"/>
-              </a:schemeClr>
-            </a:gs>
-            <a:gs pos="100000">
-              <a:schemeClr val="phClr">
-                <a:tint val="15000"/>
-                <a:satMod val="350000"/>
-              </a:schemeClr>
-            </a:gs>
-          </a:gsLst>
-          <a:lin ang="16200000" scaled="1"/>
-        </a:gradFill>
-        <a:gradFill rotWithShape="1">
-          <a:gsLst>
-            <a:gs pos="0">
-              <a:schemeClr val="phClr">
-                <a:tint val="100000"/>
-                <a:shade val="100000"/>
-                <a:satMod val="130000"/>
-              </a:schemeClr>
-            </a:gs>
-            <a:gs pos="100000">
-              <a:schemeClr val="phClr">
-                <a:tint val="50000"/>
-                <a:shade val="100000"/>
-                <a:satMod val="350000"/>
-              </a:schemeClr>
-            </a:gs>
-          </a:gsLst>
-          <a:lin ang="16200000" scaled="0"/>
-        </a:gradFill>
-      </a:fillStyleLst>
-      <a:lnStyleLst>
-        <a:ln w="9525" cap="flat" cmpd="sng" algn="ctr">
-          <a:solidFill>
-            <a:schemeClr val="phClr">
-              <a:shade val="95000"/>
-              <a:satMod val="105000"/>
-            </a:schemeClr>
-          </a:solidFill>
-          <a:prstDash val="solid"/>
-        </a:ln>
-        <a:ln w="25400" cap="flat" cmpd="sng" algn="ctr">
-          <a:solidFill>
-            <a:schemeClr val="phClr"/>
-          </a:solidFill>
-          <a:prstDash val="solid"/>
-        </a:ln>
-        <a:ln w="38100" cap="flat" cmpd="sng" algn="ctr">
-          <a:solidFill>
-            <a:schemeClr val="phClr"/>
-          </a:solidFill>
-          <a:prstDash val="solid"/>
-        </a:ln>
-      </a:lnStyleLst>
-      <a:effectStyleLst>
-        <a:effectStyle>
-          <a:effectLst>
-            <a:outerShdw blurRad="40000" dist="20000" dir="5400000" rotWithShape="0">
-              <a:srgbClr val="000000">
-                <a:alpha val="38000"/>
-              </a:srgbClr>
-            </a:outerShdw>
-          </a:effectLst>
-        </a:effectStyle>
-        <a:effectStyle>
-          <a:effectLst>
-            <a:outerShdw blurRad="40000" dist="23000" dir="5400000" rotWithShape="0">
-              <a:srgbClr val="000000">
-                <a:alpha val="35000"/>
-              </a:srgbClr>
-            </a:outerShdw>
-          </a:effectLst>
-        </a:effectStyle>
-        <a:effectStyle>
-          <a:effectLst>
-            <a:outerShdw blurRad="40000" dist="23000" dir="5400000" rotWithShape="0">
-              <a:srgbClr val="000000">
-                <a:alpha val="35000"/>
-              </a:srgbClr>
-            </a:outerShdw>
-          </a:effectLst>
-          <a:scene3d>
-            <a:camera prst="orthographicFront">
-              <a:rot lat="0" lon="0" rev="0"/>
-            </a:camera>
-            <a:lightRig rig="threePt" dir="t">
-              <a:rot lat="0" lon="0" rev="1200000"/>
-            </a:lightRig>
-          </a:scene3d>
-          <a:sp3d>
-            <a:bevelT w="63500" h="25400"/>
-          </a:sp3d>
-        </a:effectStyle>
-      </a:effectStyleLst>
-      <a:bgFillStyleLst>
-        <a:solidFill>
-          <a:schemeClr val="phClr"/>
-        </a:solidFill>
-        <a:gradFill rotWithShape="1">
-          <a:gsLst>
-            <a:gs pos="0">
-              <a:schemeClr val="phClr">
-                <a:tint val="40000"/>
-                <a:satMod val="350000"/>
-              </a:schemeClr>
-            </a:gs>
-            <a:gs pos="40000">
-              <a:schemeClr val="phClr">
-                <a:tint val="45000"/>
-                <a:shade val="99000"/>
-                <a:satMod val="350000"/>
-              </a:schemeClr>
-            </a:gs>
-            <a:gs pos="100000">
-              <a:schemeClr val="phClr">
-                <a:shade val="20000"/>
-                <a:satMod val="255000"/>
-              </a:schemeClr>
-            </a:gs>
-          </a:gsLst>
-          <a:path path="circle">
-            <a:fillToRect l="50000" t="-80000" r="50000" b="180000"/>
-          </a:path>
-        </a:gradFill>
-        <a:gradFill rotWithShape="1">
-          <a:gsLst>
-            <a:gs pos="0">
-              <a:schemeClr val="phClr">
-                <a:tint val="80000"/>
-                <a:satMod val="300000"/>
-              </a:schemeClr>
-            </a:gs>
-            <a:gs pos="100000">
-              <a:schemeClr val="phClr">
-                <a:shade val="30000"/>
-                <a:satMod val="200000"/>
-              </a:schemeClr>
-            </a:gs>
-          </a:gsLst>
-          <a:path path="circle">
-            <a:fillToRect l="50000" t="50000" r="50000" b="50000"/>
-          </a:path>
-        </a:gradFill>
-      </a:bgFillStyleLst>
-    </a:fmtScheme>
-  </a:themeElements>
-</a:theme>
 </file>